--- a/Data-Estate Presentation.pptx
+++ b/Data-Estate Presentation.pptx
@@ -814,7 +814,7 @@
   <p:cSld>
     <p:spTree>
       <p:nvGrpSpPr>
-        <p:cNvPr id="189" name="Shape 189"/>
+        <p:cNvPr id="192" name="Shape 192"/>
         <p:cNvGrpSpPr/>
         <p:nvPr/>
       </p:nvGrpSpPr>
@@ -828,7 +828,7 @@
       </p:grpSpPr>
       <p:sp>
         <p:nvSpPr>
-          <p:cNvPr id="190" name="Google Shape;190;g82c5005ac4_2_22:notes"/>
+          <p:cNvPr id="193" name="Google Shape;193;g82c5005ac4_2_22:notes"/>
           <p:cNvSpPr/>
           <p:nvPr>
             <p:ph idx="2" type="sldImg"/>
@@ -863,7 +863,7 @@
       </p:sp>
       <p:sp>
         <p:nvSpPr>
-          <p:cNvPr id="191" name="Google Shape;191;g82c5005ac4_2_22:notes"/>
+          <p:cNvPr id="194" name="Google Shape;194;g82c5005ac4_2_22:notes"/>
           <p:cNvSpPr txBox="1"/>
           <p:nvPr>
             <p:ph idx="1" type="body"/>
@@ -913,7 +913,7 @@
   <p:cSld>
     <p:spTree>
       <p:nvGrpSpPr>
-        <p:cNvPr id="197" name="Shape 197"/>
+        <p:cNvPr id="200" name="Shape 200"/>
         <p:cNvGrpSpPr/>
         <p:nvPr/>
       </p:nvGrpSpPr>
@@ -927,7 +927,7 @@
       </p:grpSpPr>
       <p:sp>
         <p:nvSpPr>
-          <p:cNvPr id="198" name="Google Shape;198;g82c5005ac4_2_29:notes"/>
+          <p:cNvPr id="201" name="Google Shape;201;g82c5005ac4_2_29:notes"/>
           <p:cNvSpPr/>
           <p:nvPr>
             <p:ph idx="2" type="sldImg"/>
@@ -962,7 +962,7 @@
       </p:sp>
       <p:sp>
         <p:nvSpPr>
-          <p:cNvPr id="199" name="Google Shape;199;g82c5005ac4_2_29:notes"/>
+          <p:cNvPr id="202" name="Google Shape;202;g82c5005ac4_2_29:notes"/>
           <p:cNvSpPr txBox="1"/>
           <p:nvPr>
             <p:ph idx="1" type="body"/>
@@ -1012,7 +1012,7 @@
   <p:cSld>
     <p:spTree>
       <p:nvGrpSpPr>
-        <p:cNvPr id="205" name="Shape 205"/>
+        <p:cNvPr id="208" name="Shape 208"/>
         <p:cNvGrpSpPr/>
         <p:nvPr/>
       </p:nvGrpSpPr>
@@ -1026,7 +1026,7 @@
       </p:grpSpPr>
       <p:sp>
         <p:nvSpPr>
-          <p:cNvPr id="206" name="Google Shape;206;g35ed75ccf_028:notes"/>
+          <p:cNvPr id="209" name="Google Shape;209;g35ed75ccf_028:notes"/>
           <p:cNvSpPr/>
           <p:nvPr>
             <p:ph idx="2" type="sldImg"/>
@@ -1061,7 +1061,7 @@
       </p:sp>
       <p:sp>
         <p:nvSpPr>
-          <p:cNvPr id="207" name="Google Shape;207;g35ed75ccf_028:notes"/>
+          <p:cNvPr id="210" name="Google Shape;210;g35ed75ccf_028:notes"/>
           <p:cNvSpPr txBox="1"/>
           <p:nvPr>
             <p:ph idx="1" type="body"/>
@@ -1111,7 +1111,7 @@
   <p:cSld>
     <p:spTree>
       <p:nvGrpSpPr>
-        <p:cNvPr id="212" name="Shape 212"/>
+        <p:cNvPr id="215" name="Shape 215"/>
         <p:cNvGrpSpPr/>
         <p:nvPr/>
       </p:nvGrpSpPr>
@@ -1125,7 +1125,7 @@
       </p:grpSpPr>
       <p:sp>
         <p:nvSpPr>
-          <p:cNvPr id="213" name="Google Shape;213;g35ed75ccf_0113:notes"/>
+          <p:cNvPr id="216" name="Google Shape;216;g35ed75ccf_0113:notes"/>
           <p:cNvSpPr/>
           <p:nvPr>
             <p:ph idx="2" type="sldImg"/>
@@ -1160,7 +1160,7 @@
       </p:sp>
       <p:sp>
         <p:nvSpPr>
-          <p:cNvPr id="214" name="Google Shape;214;g35ed75ccf_0113:notes"/>
+          <p:cNvPr id="217" name="Google Shape;217;g35ed75ccf_0113:notes"/>
           <p:cNvSpPr txBox="1"/>
           <p:nvPr>
             <p:ph idx="1" type="body"/>
@@ -1705,7 +1705,7 @@
   <p:cSld>
     <p:spTree>
       <p:nvGrpSpPr>
-        <p:cNvPr id="165" name="Shape 165"/>
+        <p:cNvPr id="168" name="Shape 168"/>
         <p:cNvGrpSpPr/>
         <p:nvPr/>
       </p:nvGrpSpPr>
@@ -1719,7 +1719,7 @@
       </p:grpSpPr>
       <p:sp>
         <p:nvSpPr>
-          <p:cNvPr id="166" name="Google Shape;166;g35f391192_09:notes"/>
+          <p:cNvPr id="169" name="Google Shape;169;g35f391192_09:notes"/>
           <p:cNvSpPr/>
           <p:nvPr>
             <p:ph idx="2" type="sldImg"/>
@@ -1754,7 +1754,7 @@
       </p:sp>
       <p:sp>
         <p:nvSpPr>
-          <p:cNvPr id="167" name="Google Shape;167;g35f391192_09:notes"/>
+          <p:cNvPr id="170" name="Google Shape;170;g35f391192_09:notes"/>
           <p:cNvSpPr txBox="1"/>
           <p:nvPr>
             <p:ph idx="1" type="body"/>
@@ -1804,7 +1804,7 @@
   <p:cSld>
     <p:spTree>
       <p:nvGrpSpPr>
-        <p:cNvPr id="171" name="Shape 171"/>
+        <p:cNvPr id="174" name="Shape 174"/>
         <p:cNvGrpSpPr/>
         <p:nvPr/>
       </p:nvGrpSpPr>
@@ -1818,7 +1818,7 @@
       </p:grpSpPr>
       <p:sp>
         <p:nvSpPr>
-          <p:cNvPr id="172" name="Google Shape;172;g35f391192_045:notes"/>
+          <p:cNvPr id="175" name="Google Shape;175;g35f391192_045:notes"/>
           <p:cNvSpPr/>
           <p:nvPr>
             <p:ph idx="2" type="sldImg"/>
@@ -1853,7 +1853,7 @@
       </p:sp>
       <p:sp>
         <p:nvSpPr>
-          <p:cNvPr id="173" name="Google Shape;173;g35f391192_045:notes"/>
+          <p:cNvPr id="176" name="Google Shape;176;g35f391192_045:notes"/>
           <p:cNvSpPr txBox="1"/>
           <p:nvPr>
             <p:ph idx="1" type="body"/>
@@ -1903,7 +1903,7 @@
   <p:cSld>
     <p:spTree>
       <p:nvGrpSpPr>
-        <p:cNvPr id="181" name="Shape 181"/>
+        <p:cNvPr id="184" name="Shape 184"/>
         <p:cNvGrpSpPr/>
         <p:nvPr/>
       </p:nvGrpSpPr>
@@ -1917,7 +1917,7 @@
       </p:grpSpPr>
       <p:sp>
         <p:nvSpPr>
-          <p:cNvPr id="182" name="Google Shape;182;g35f391192_065:notes"/>
+          <p:cNvPr id="185" name="Google Shape;185;g35f391192_065:notes"/>
           <p:cNvSpPr/>
           <p:nvPr>
             <p:ph idx="2" type="sldImg"/>
@@ -1952,7 +1952,7 @@
       </p:sp>
       <p:sp>
         <p:nvSpPr>
-          <p:cNvPr id="183" name="Google Shape;183;g35f391192_065:notes"/>
+          <p:cNvPr id="186" name="Google Shape;186;g35f391192_065:notes"/>
           <p:cNvSpPr txBox="1"/>
           <p:nvPr>
             <p:ph idx="1" type="body"/>
@@ -9653,7 +9653,7 @@
     </p:bg>
     <p:spTree>
       <p:nvGrpSpPr>
-        <p:cNvPr id="192" name="Shape 192"/>
+        <p:cNvPr id="195" name="Shape 195"/>
         <p:cNvGrpSpPr/>
         <p:nvPr/>
       </p:nvGrpSpPr>
@@ -9667,7 +9667,7 @@
       </p:grpSpPr>
       <p:sp>
         <p:nvSpPr>
-          <p:cNvPr id="193" name="Google Shape;193;p23"/>
+          <p:cNvPr id="196" name="Google Shape;196;p23"/>
           <p:cNvSpPr txBox="1"/>
           <p:nvPr>
             <p:ph idx="4294967295" type="title"/>
@@ -9715,7 +9715,7 @@
       </p:sp>
       <p:sp>
         <p:nvSpPr>
-          <p:cNvPr id="194" name="Google Shape;194;p23"/>
+          <p:cNvPr id="197" name="Google Shape;197;p23"/>
           <p:cNvSpPr txBox="1"/>
           <p:nvPr>
             <p:ph idx="12" type="sldNum"/>
@@ -9755,7 +9755,7 @@
       </p:sp>
       <p:sp>
         <p:nvSpPr>
-          <p:cNvPr id="195" name="Google Shape;195;p23"/>
+          <p:cNvPr id="198" name="Google Shape;198;p23"/>
           <p:cNvSpPr/>
           <p:nvPr/>
         </p:nvSpPr>
@@ -9808,7 +9808,7 @@
       </p:sp>
       <p:sp>
         <p:nvSpPr>
-          <p:cNvPr id="196" name="Google Shape;196;p23"/>
+          <p:cNvPr id="199" name="Google Shape;199;p23"/>
           <p:cNvSpPr txBox="1"/>
           <p:nvPr>
             <p:ph idx="4294967295" type="ctrTitle"/>
@@ -9882,7 +9882,7 @@
     </p:bg>
     <p:spTree>
       <p:nvGrpSpPr>
-        <p:cNvPr id="200" name="Shape 200"/>
+        <p:cNvPr id="203" name="Shape 203"/>
         <p:cNvGrpSpPr/>
         <p:nvPr/>
       </p:nvGrpSpPr>
@@ -9896,7 +9896,7 @@
       </p:grpSpPr>
       <p:sp>
         <p:nvSpPr>
-          <p:cNvPr id="201" name="Google Shape;201;p24"/>
+          <p:cNvPr id="204" name="Google Shape;204;p24"/>
           <p:cNvSpPr txBox="1"/>
           <p:nvPr>
             <p:ph idx="4294967295" type="title"/>
@@ -9944,7 +9944,7 @@
       </p:sp>
       <p:sp>
         <p:nvSpPr>
-          <p:cNvPr id="202" name="Google Shape;202;p24"/>
+          <p:cNvPr id="205" name="Google Shape;205;p24"/>
           <p:cNvSpPr txBox="1"/>
           <p:nvPr>
             <p:ph idx="12" type="sldNum"/>
@@ -9984,7 +9984,7 @@
       </p:sp>
       <p:sp>
         <p:nvSpPr>
-          <p:cNvPr id="203" name="Google Shape;203;p24"/>
+          <p:cNvPr id="206" name="Google Shape;206;p24"/>
           <p:cNvSpPr/>
           <p:nvPr/>
         </p:nvSpPr>
@@ -10037,7 +10037,7 @@
       </p:sp>
       <p:sp>
         <p:nvSpPr>
-          <p:cNvPr id="204" name="Google Shape;204;p24"/>
+          <p:cNvPr id="207" name="Google Shape;207;p24"/>
           <p:cNvSpPr txBox="1"/>
           <p:nvPr>
             <p:ph idx="4294967295" type="ctrTitle"/>
@@ -10106,7 +10106,7 @@
     </p:bg>
     <p:spTree>
       <p:nvGrpSpPr>
-        <p:cNvPr id="208" name="Shape 208"/>
+        <p:cNvPr id="211" name="Shape 211"/>
         <p:cNvGrpSpPr/>
         <p:nvPr/>
       </p:nvGrpSpPr>
@@ -10120,7 +10120,7 @@
       </p:grpSpPr>
       <p:sp>
         <p:nvSpPr>
-          <p:cNvPr id="209" name="Google Shape;209;p25"/>
+          <p:cNvPr id="212" name="Google Shape;212;p25"/>
           <p:cNvSpPr txBox="1"/>
           <p:nvPr>
             <p:ph idx="4294967295" type="ctrTitle"/>
@@ -10160,7 +10160,7 @@
       </p:sp>
       <p:sp>
         <p:nvSpPr>
-          <p:cNvPr id="210" name="Google Shape;210;p25"/>
+          <p:cNvPr id="213" name="Google Shape;213;p25"/>
           <p:cNvSpPr txBox="1"/>
           <p:nvPr>
             <p:ph idx="4294967295" type="subTitle"/>
@@ -10200,7 +10200,7 @@
       </p:sp>
       <p:sp>
         <p:nvSpPr>
-          <p:cNvPr id="211" name="Google Shape;211;p25"/>
+          <p:cNvPr id="214" name="Google Shape;214;p25"/>
           <p:cNvSpPr txBox="1"/>
           <p:nvPr>
             <p:ph idx="12" type="sldNum"/>
@@ -10258,7 +10258,7 @@
     </p:bg>
     <p:spTree>
       <p:nvGrpSpPr>
-        <p:cNvPr id="215" name="Shape 215"/>
+        <p:cNvPr id="218" name="Shape 218"/>
         <p:cNvGrpSpPr/>
         <p:nvPr/>
       </p:nvGrpSpPr>
@@ -10272,7 +10272,7 @@
       </p:grpSpPr>
       <p:sp>
         <p:nvSpPr>
-          <p:cNvPr id="216" name="Google Shape;216;p26"/>
+          <p:cNvPr id="219" name="Google Shape;219;p26"/>
           <p:cNvSpPr/>
           <p:nvPr/>
         </p:nvSpPr>
@@ -10321,7 +10321,7 @@
       </p:sp>
       <p:sp>
         <p:nvSpPr>
-          <p:cNvPr id="217" name="Google Shape;217;p26"/>
+          <p:cNvPr id="220" name="Google Shape;220;p26"/>
           <p:cNvSpPr txBox="1"/>
           <p:nvPr>
             <p:ph idx="12" type="sldNum"/>
@@ -10361,7 +10361,7 @@
       </p:sp>
       <p:grpSp>
         <p:nvGrpSpPr>
-          <p:cNvPr id="218" name="Google Shape;218;p26"/>
+          <p:cNvPr id="221" name="Google Shape;221;p26"/>
           <p:cNvGrpSpPr/>
           <p:nvPr/>
         </p:nvGrpSpPr>
@@ -10375,7 +10375,7 @@
         </p:grpSpPr>
         <p:sp>
           <p:nvSpPr>
-            <p:cNvPr id="219" name="Google Shape;219;p26"/>
+            <p:cNvPr id="222" name="Google Shape;222;p26"/>
             <p:cNvSpPr/>
             <p:nvPr/>
           </p:nvSpPr>
@@ -10482,7 +10482,7 @@
         </p:sp>
         <p:sp>
           <p:nvSpPr>
-            <p:cNvPr id="220" name="Google Shape;220;p26"/>
+            <p:cNvPr id="223" name="Google Shape;223;p26"/>
             <p:cNvSpPr/>
             <p:nvPr/>
           </p:nvSpPr>
@@ -10557,7 +10557,7 @@
         </p:sp>
         <p:sp>
           <p:nvSpPr>
-            <p:cNvPr id="221" name="Google Shape;221;p26"/>
+            <p:cNvPr id="224" name="Google Shape;224;p26"/>
             <p:cNvSpPr/>
             <p:nvPr/>
           </p:nvSpPr>
@@ -10625,7 +10625,7 @@
         </p:sp>
         <p:sp>
           <p:nvSpPr>
-            <p:cNvPr id="222" name="Google Shape;222;p26"/>
+            <p:cNvPr id="225" name="Google Shape;225;p26"/>
             <p:cNvSpPr/>
             <p:nvPr/>
           </p:nvSpPr>
@@ -10703,7 +10703,7 @@
       </p:grpSp>
       <p:sp>
         <p:nvSpPr>
-          <p:cNvPr id="223" name="Google Shape;223;p26"/>
+          <p:cNvPr id="226" name="Google Shape;226;p26"/>
           <p:cNvSpPr txBox="1"/>
           <p:nvPr>
             <p:ph idx="1" type="body"/>
@@ -10751,7 +10751,7 @@
       </p:sp>
       <p:sp>
         <p:nvSpPr>
-          <p:cNvPr id="224" name="Google Shape;224;p26"/>
+          <p:cNvPr id="227" name="Google Shape;227;p26"/>
           <p:cNvSpPr txBox="1"/>
           <p:nvPr>
             <p:ph type="title"/>
@@ -11550,7 +11550,7 @@
                   <a:schemeClr val="lt1"/>
                 </a:solidFill>
               </a:rPr>
-              <a:t>Increasing rate of new business throughout Houston throughout time.</a:t>
+              <a:t>Increasing rate of new business throughout Houston through time.</a:t>
             </a:r>
             <a:endParaRPr sz="2400">
               <a:solidFill>
@@ -11571,7 +11571,7 @@
         <p:spPr>
           <a:xfrm>
             <a:off x="4203825" y="2863350"/>
-            <a:ext cx="3267600" cy="1334100"/>
+            <a:ext cx="3267600" cy="1637100"/>
           </a:xfrm>
           <a:prstGeom prst="rect">
             <a:avLst/>
@@ -11594,7 +11594,7 @@
             </a:pPr>
             <a:r>
               <a:rPr lang="en" sz="2000"/>
-              <a:t>Goal: Commercial building industry with a </a:t>
+              <a:t>Goal: Work with the Commercial building industry in a </a:t>
             </a:r>
             <a:r>
               <a:rPr lang="en" sz="2000"/>
@@ -15327,7 +15327,7 @@
             </a:pPr>
             <a:r>
               <a:rPr lang="en"/>
-              <a:t>Comptroller Public Accounts</a:t>
+              <a:t>Comptroller Of Public Accounts</a:t>
             </a:r>
             <a:endParaRPr/>
           </a:p>
@@ -15423,7 +15423,7 @@
         </p:nvSpPr>
         <p:spPr>
           <a:xfrm>
-            <a:off x="3857575" y="1199050"/>
+            <a:off x="5852950" y="537925"/>
             <a:ext cx="2187540" cy="1999026"/>
           </a:xfrm>
           <a:prstGeom prst="irregularSeal1">
@@ -15499,7 +15499,7 @@
             </a:pPr>
             <a:r>
               <a:rPr lang="en"/>
-              <a:t>Layout of App</a:t>
+              <a:t>Architect of App</a:t>
             </a:r>
             <a:endParaRPr/>
           </a:p>
@@ -15606,7 +15606,7 @@
         </p:nvSpPr>
         <p:spPr>
           <a:xfrm>
-            <a:off x="4086725" y="1433675"/>
+            <a:off x="6082100" y="772550"/>
             <a:ext cx="1788426" cy="1529766"/>
           </a:xfrm>
           <a:prstGeom prst="irregularSeal1">
@@ -15656,7 +15656,7 @@
         </p:nvSpPr>
         <p:spPr>
           <a:xfrm>
-            <a:off x="3089025" y="3155550"/>
+            <a:off x="4153200" y="3180375"/>
             <a:ext cx="1152900" cy="1086300"/>
           </a:xfrm>
           <a:prstGeom prst="verticalScroll">
@@ -15707,9 +15707,9 @@
           <p:nvPr/>
         </p:nvSpPr>
         <p:spPr>
-          <a:xfrm rot="-3268214">
-            <a:off x="5962402" y="2390278"/>
-            <a:ext cx="505398" cy="1186842"/>
+          <a:xfrm rot="-779830">
+            <a:off x="7189082" y="2214576"/>
+            <a:ext cx="505552" cy="811338"/>
           </a:xfrm>
           <a:prstGeom prst="downArrow">
             <a:avLst>
@@ -15760,8 +15760,8 @@
         </p:nvSpPr>
         <p:spPr>
           <a:xfrm rot="5402262">
-            <a:off x="5161200" y="2524575"/>
-            <a:ext cx="456000" cy="2397900"/>
+            <a:off x="5659950" y="3023325"/>
+            <a:ext cx="456000" cy="1400400"/>
           </a:xfrm>
           <a:prstGeom prst="downArrow">
             <a:avLst>
@@ -15811,9 +15811,9 @@
           <p:nvPr/>
         </p:nvSpPr>
         <p:spPr>
-          <a:xfrm rot="952">
-            <a:off x="2094843" y="3506860"/>
-            <a:ext cx="1083300" cy="383700"/>
+          <a:xfrm rot="-2121575">
+            <a:off x="1903328" y="2881087"/>
+            <a:ext cx="2199044" cy="383828"/>
           </a:xfrm>
           <a:prstGeom prst="leftArrow">
             <a:avLst>
@@ -16085,6 +16085,163 @@
           </a:p>
         </p:txBody>
       </p:sp>
+      <p:sp>
+        <p:nvSpPr>
+          <p:cNvPr id="165" name="Google Shape;165;p19"/>
+          <p:cNvSpPr/>
+          <p:nvPr/>
+        </p:nvSpPr>
+        <p:spPr>
+          <a:xfrm>
+            <a:off x="3431240" y="1492800"/>
+            <a:ext cx="1863000" cy="904200"/>
+          </a:xfrm>
+          <a:prstGeom prst="ribbon">
+            <a:avLst>
+              <a:gd fmla="val 16667" name="adj1"/>
+              <a:gd fmla="val 50000" name="adj2"/>
+            </a:avLst>
+          </a:prstGeom>
+          <a:solidFill>
+            <a:srgbClr val="F4CCCC"/>
+          </a:solidFill>
+          <a:ln cap="flat" cmpd="sng" w="9525">
+            <a:solidFill>
+              <a:schemeClr val="dk2"/>
+            </a:solidFill>
+            <a:prstDash val="solid"/>
+            <a:round/>
+            <a:headEnd len="sm" w="sm" type="none"/>
+            <a:tailEnd len="sm" w="sm" type="none"/>
+          </a:ln>
+        </p:spPr>
+        <p:txBody>
+          <a:bodyPr anchorCtr="0" anchor="ctr" bIns="91425" lIns="91425" spcFirstLastPara="1" rIns="91425" wrap="square" tIns="91425">
+            <a:noAutofit/>
+          </a:bodyPr>
+          <a:lstStyle/>
+          <a:p>
+            <a:pPr indent="0" lvl="0" marL="0" rtl="0" algn="l">
+              <a:spcBef>
+                <a:spcPts val="0"/>
+              </a:spcBef>
+              <a:spcAft>
+                <a:spcPts val="0"/>
+              </a:spcAft>
+              <a:buNone/>
+            </a:pPr>
+            <a:r>
+              <a:rPr lang="en"/>
+              <a:t>Machine Learning</a:t>
+            </a:r>
+            <a:endParaRPr/>
+          </a:p>
+        </p:txBody>
+      </p:sp>
+      <p:sp>
+        <p:nvSpPr>
+          <p:cNvPr id="166" name="Google Shape;166;p19"/>
+          <p:cNvSpPr/>
+          <p:nvPr/>
+        </p:nvSpPr>
+        <p:spPr>
+          <a:xfrm rot="10495166">
+            <a:off x="4286246" y="2475178"/>
+            <a:ext cx="396357" cy="669594"/>
+          </a:xfrm>
+          <a:prstGeom prst="downArrow">
+            <a:avLst>
+              <a:gd fmla="val 28932" name="adj1"/>
+              <a:gd fmla="val 59855" name="adj2"/>
+            </a:avLst>
+          </a:prstGeom>
+          <a:solidFill>
+            <a:srgbClr val="00FFFF"/>
+          </a:solidFill>
+          <a:ln cap="flat" cmpd="sng" w="9525">
+            <a:solidFill>
+              <a:schemeClr val="dk2"/>
+            </a:solidFill>
+            <a:prstDash val="solid"/>
+            <a:round/>
+            <a:headEnd len="sm" w="sm" type="none"/>
+            <a:tailEnd len="sm" w="sm" type="none"/>
+          </a:ln>
+        </p:spPr>
+        <p:txBody>
+          <a:bodyPr anchorCtr="0" anchor="ctr" bIns="91425" lIns="91425" spcFirstLastPara="1" rIns="91425" wrap="square" tIns="91425">
+            <a:noAutofit/>
+          </a:bodyPr>
+          <a:lstStyle/>
+          <a:p>
+            <a:pPr indent="0" lvl="0" marL="0" rtl="0" algn="l">
+              <a:spcBef>
+                <a:spcPts val="0"/>
+              </a:spcBef>
+              <a:spcAft>
+                <a:spcPts val="0"/>
+              </a:spcAft>
+              <a:buNone/>
+            </a:pPr>
+            <a:r>
+              <a:t/>
+            </a:r>
+            <a:endParaRPr/>
+          </a:p>
+        </p:txBody>
+      </p:sp>
+      <p:sp>
+        <p:nvSpPr>
+          <p:cNvPr id="167" name="Google Shape;167;p19"/>
+          <p:cNvSpPr/>
+          <p:nvPr/>
+        </p:nvSpPr>
+        <p:spPr>
+          <a:xfrm rot="5402262">
+            <a:off x="3003600" y="2910150"/>
+            <a:ext cx="456000" cy="1842900"/>
+          </a:xfrm>
+          <a:prstGeom prst="downArrow">
+            <a:avLst>
+              <a:gd fmla="val 28932" name="adj1"/>
+              <a:gd fmla="val 70312" name="adj2"/>
+            </a:avLst>
+          </a:prstGeom>
+          <a:solidFill>
+            <a:srgbClr val="00FFFF"/>
+          </a:solidFill>
+          <a:ln cap="flat" cmpd="sng" w="9525">
+            <a:solidFill>
+              <a:schemeClr val="dk2"/>
+            </a:solidFill>
+            <a:prstDash val="solid"/>
+            <a:round/>
+            <a:headEnd len="sm" w="sm" type="none"/>
+            <a:tailEnd len="sm" w="sm" type="none"/>
+          </a:ln>
+        </p:spPr>
+        <p:txBody>
+          <a:bodyPr anchorCtr="0" anchor="ctr" bIns="91425" lIns="91425" spcFirstLastPara="1" rIns="91425" wrap="square" tIns="91425">
+            <a:noAutofit/>
+          </a:bodyPr>
+          <a:lstStyle/>
+          <a:p>
+            <a:pPr indent="0" lvl="0" marL="0" rtl="0" algn="l">
+              <a:spcBef>
+                <a:spcPts val="0"/>
+              </a:spcBef>
+              <a:spcAft>
+                <a:spcPts val="0"/>
+              </a:spcAft>
+              <a:buNone/>
+            </a:pPr>
+            <a:r>
+              <a:t/>
+            </a:r>
+            <a:endParaRPr/>
+          </a:p>
+        </p:txBody>
+      </p:sp>
     </p:spTree>
   </p:cSld>
   <p:clrMapOvr>
@@ -16110,7 +16267,7 @@
     </p:bg>
     <p:spTree>
       <p:nvGrpSpPr>
-        <p:cNvPr id="168" name="Shape 168"/>
+        <p:cNvPr id="171" name="Shape 171"/>
         <p:cNvGrpSpPr/>
         <p:nvPr/>
       </p:nvGrpSpPr>
@@ -16124,7 +16281,7 @@
       </p:grpSpPr>
       <p:sp>
         <p:nvSpPr>
-          <p:cNvPr id="169" name="Google Shape;169;p20"/>
+          <p:cNvPr id="172" name="Google Shape;172;p20"/>
           <p:cNvSpPr txBox="1"/>
           <p:nvPr>
             <p:ph idx="1" type="body"/>
@@ -16180,7 +16337,7 @@
       </p:sp>
       <p:sp>
         <p:nvSpPr>
-          <p:cNvPr id="170" name="Google Shape;170;p20"/>
+          <p:cNvPr id="173" name="Google Shape;173;p20"/>
           <p:cNvSpPr txBox="1"/>
           <p:nvPr>
             <p:ph idx="12" type="sldNum"/>
@@ -16231,7 +16388,7 @@
   <p:cSld>
     <p:spTree>
       <p:nvGrpSpPr>
-        <p:cNvPr id="174" name="Shape 174"/>
+        <p:cNvPr id="177" name="Shape 177"/>
         <p:cNvGrpSpPr/>
         <p:nvPr/>
       </p:nvGrpSpPr>
@@ -16245,7 +16402,7 @@
       </p:grpSpPr>
       <p:sp>
         <p:nvSpPr>
-          <p:cNvPr id="175" name="Google Shape;175;p21"/>
+          <p:cNvPr id="178" name="Google Shape;178;p21"/>
           <p:cNvSpPr txBox="1"/>
           <p:nvPr>
             <p:ph type="title"/>
@@ -16293,7 +16450,7 @@
       </p:sp>
       <p:sp>
         <p:nvSpPr>
-          <p:cNvPr id="176" name="Google Shape;176;p21"/>
+          <p:cNvPr id="179" name="Google Shape;179;p21"/>
           <p:cNvSpPr txBox="1"/>
           <p:nvPr>
             <p:ph idx="1" type="body"/>
@@ -16341,34 +16498,57 @@
             </a:endParaRPr>
           </a:p>
           <a:p>
-            <a:pPr indent="0" lvl="0" marL="0" rtl="0" algn="l">
+            <a:pPr indent="-330200" lvl="0" marL="457200" rtl="0" algn="l">
               <a:spcBef>
                 <a:spcPts val="600"/>
               </a:spcBef>
               <a:spcAft>
                 <a:spcPts val="0"/>
               </a:spcAft>
-              <a:buNone/>
+              <a:buSzPts val="1600"/>
+              <a:buAutoNum type="arabicPeriod"/>
             </a:pPr>
             <a:r>
               <a:rPr lang="en"/>
-              <a:t>Visualizing a time series data set in python.</a:t>
+              <a:t>Visualizing data set ;</a:t>
             </a:r>
             <a:endParaRPr/>
           </a:p>
           <a:p>
-            <a:pPr indent="0" lvl="0" marL="0" rtl="0" algn="l">
-              <a:spcBef>
-                <a:spcPts val="600"/>
-              </a:spcBef>
-              <a:spcAft>
-                <a:spcPts val="0"/>
-              </a:spcAft>
-              <a:buNone/>
+            <a:pPr indent="-330200" lvl="0" marL="457200" rtl="0" algn="l">
+              <a:spcBef>
+                <a:spcPts val="0"/>
+              </a:spcBef>
+              <a:spcAft>
+                <a:spcPts val="0"/>
+              </a:spcAft>
+              <a:buSzPts val="1600"/>
+              <a:buAutoNum type="arabicPeriod"/>
             </a:pPr>
             <a:r>
               <a:rPr lang="en"/>
-              <a:t>Drawing decomposed seasonal plot and trend plot; drawing year-wise and month-wise box plot; making outlier test</a:t>
+              <a:t>D</a:t>
+            </a:r>
+            <a:r>
+              <a:rPr lang="en"/>
+              <a:t>ecompose;</a:t>
+            </a:r>
+            <a:endParaRPr/>
+          </a:p>
+          <a:p>
+            <a:pPr indent="-330200" lvl="0" marL="457200" rtl="0" algn="l">
+              <a:spcBef>
+                <a:spcPts val="0"/>
+              </a:spcBef>
+              <a:spcAft>
+                <a:spcPts val="0"/>
+              </a:spcAft>
+              <a:buSzPts val="1600"/>
+              <a:buAutoNum type="arabicPeriod"/>
+            </a:pPr>
+            <a:r>
+              <a:rPr lang="en"/>
+              <a:t>Outliers testing.</a:t>
             </a:r>
             <a:endParaRPr/>
           </a:p>
@@ -16391,7 +16571,7 @@
       </p:sp>
       <p:sp>
         <p:nvSpPr>
-          <p:cNvPr id="177" name="Google Shape;177;p21"/>
+          <p:cNvPr id="180" name="Google Shape;180;p21"/>
           <p:cNvSpPr txBox="1"/>
           <p:nvPr>
             <p:ph idx="2" type="body"/>
@@ -16499,7 +16679,7 @@
             </a:pPr>
             <a:r>
               <a:rPr lang="en"/>
-              <a:t>SARIMAX model with exogenous variable</a:t>
+              <a:t>SARIMAX model with exogenous variable.</a:t>
             </a:r>
             <a:endParaRPr/>
           </a:p>
@@ -16537,7 +16717,7 @@
       </p:sp>
       <p:sp>
         <p:nvSpPr>
-          <p:cNvPr id="178" name="Google Shape;178;p21"/>
+          <p:cNvPr id="181" name="Google Shape;181;p21"/>
           <p:cNvSpPr txBox="1"/>
           <p:nvPr>
             <p:ph idx="3" type="body"/>
@@ -16593,7 +16773,7 @@
             </a:pPr>
             <a:r>
               <a:rPr lang="en"/>
-              <a:t>Visually comparing the forecasting values between different models and save the best one to csv file which can be used to plot.</a:t>
+              <a:t>Visually comparing the forecasting values between each models.</a:t>
             </a:r>
             <a:endParaRPr/>
           </a:p>
@@ -16616,7 +16796,7 @@
       </p:sp>
       <p:sp>
         <p:nvSpPr>
-          <p:cNvPr id="179" name="Google Shape;179;p21"/>
+          <p:cNvPr id="182" name="Google Shape;182;p21"/>
           <p:cNvSpPr txBox="1"/>
           <p:nvPr>
             <p:ph idx="12" type="sldNum"/>
@@ -16656,7 +16836,7 @@
       </p:sp>
       <p:sp>
         <p:nvSpPr>
-          <p:cNvPr id="180" name="Google Shape;180;p21"/>
+          <p:cNvPr id="183" name="Google Shape;183;p21"/>
           <p:cNvSpPr txBox="1"/>
           <p:nvPr/>
         </p:nvSpPr>
@@ -16718,7 +16898,7 @@
                   <a:schemeClr val="accent1"/>
                 </a:solidFill>
               </a:rPr>
-              <a:t>                          prophet</a:t>
+              <a:t>                          fbprophet</a:t>
             </a:r>
             <a:endParaRPr b="1" sz="1800">
               <a:solidFill>
@@ -16753,7 +16933,7 @@
     </p:bg>
     <p:spTree>
       <p:nvGrpSpPr>
-        <p:cNvPr id="184" name="Shape 184"/>
+        <p:cNvPr id="187" name="Shape 187"/>
         <p:cNvGrpSpPr/>
         <p:nvPr/>
       </p:nvGrpSpPr>
@@ -16767,7 +16947,7 @@
       </p:grpSpPr>
       <p:sp>
         <p:nvSpPr>
-          <p:cNvPr id="185" name="Google Shape;185;p22"/>
+          <p:cNvPr id="188" name="Google Shape;188;p22"/>
           <p:cNvSpPr txBox="1"/>
           <p:nvPr>
             <p:ph idx="4294967295" type="title"/>
@@ -16815,7 +16995,7 @@
       </p:sp>
       <p:sp>
         <p:nvSpPr>
-          <p:cNvPr id="186" name="Google Shape;186;p22"/>
+          <p:cNvPr id="189" name="Google Shape;189;p22"/>
           <p:cNvSpPr txBox="1"/>
           <p:nvPr>
             <p:ph idx="12" type="sldNum"/>
@@ -16855,7 +17035,7 @@
       </p:sp>
       <p:sp>
         <p:nvSpPr>
-          <p:cNvPr id="187" name="Google Shape;187;p22"/>
+          <p:cNvPr id="190" name="Google Shape;190;p22"/>
           <p:cNvSpPr/>
           <p:nvPr/>
         </p:nvSpPr>
@@ -16908,7 +17088,7 @@
       </p:sp>
       <p:sp>
         <p:nvSpPr>
-          <p:cNvPr id="188" name="Google Shape;188;p22"/>
+          <p:cNvPr id="191" name="Google Shape;191;p22"/>
           <p:cNvSpPr txBox="1"/>
           <p:nvPr>
             <p:ph idx="4294967295" type="ctrTitle"/>

--- a/Data-Estate Presentation.pptx
+++ b/Data-Estate Presentation.pptx
@@ -17,39 +17,35 @@
     <p:sldId id="262" r:id="rId11"/>
     <p:sldId id="263" r:id="rId12"/>
     <p:sldId id="264" r:id="rId13"/>
-    <p:sldId id="265" r:id="rId14"/>
-    <p:sldId id="266" r:id="rId15"/>
-    <p:sldId id="267" r:id="rId16"/>
-    <p:sldId id="268" r:id="rId17"/>
   </p:sldIdLst>
   <p:sldSz cy="5143500" cx="9144000"/>
   <p:notesSz cx="6858000" cy="9144000"/>
   <p:embeddedFontLst>
     <p:embeddedFont>
       <p:font typeface="Raleway"/>
+      <p:regular r:id="rId14"/>
+      <p:bold r:id="rId15"/>
+      <p:italic r:id="rId16"/>
+      <p:boldItalic r:id="rId17"/>
+    </p:embeddedFont>
+    <p:embeddedFont>
+      <p:font typeface="Raleway SemiBold"/>
       <p:regular r:id="rId18"/>
       <p:bold r:id="rId19"/>
       <p:italic r:id="rId20"/>
       <p:boldItalic r:id="rId21"/>
     </p:embeddedFont>
     <p:embeddedFont>
-      <p:font typeface="Raleway SemiBold"/>
-      <p:regular r:id="rId22"/>
-      <p:bold r:id="rId23"/>
-      <p:italic r:id="rId24"/>
-      <p:boldItalic r:id="rId25"/>
-    </p:embeddedFont>
-    <p:embeddedFont>
       <p:font typeface="Red Hat Display Black"/>
-      <p:bold r:id="rId26"/>
-      <p:boldItalic r:id="rId27"/>
+      <p:bold r:id="rId22"/>
+      <p:boldItalic r:id="rId23"/>
     </p:embeddedFont>
     <p:embeddedFont>
       <p:font typeface="Red Hat Display"/>
-      <p:regular r:id="rId28"/>
-      <p:bold r:id="rId29"/>
-      <p:italic r:id="rId30"/>
-      <p:boldItalic r:id="rId31"/>
+      <p:regular r:id="rId24"/>
+      <p:bold r:id="rId25"/>
+      <p:italic r:id="rId26"/>
+      <p:boldItalic r:id="rId27"/>
     </p:embeddedFont>
   </p:embeddedFontLst>
   <p:defaultTextStyle>
@@ -765,402 +761,6 @@
       <p:sp>
         <p:nvSpPr>
           <p:cNvPr id="97" name="Google Shape;97;g35f391192_00:notes"/>
-          <p:cNvSpPr txBox="1"/>
-          <p:nvPr>
-            <p:ph idx="1" type="body"/>
-          </p:nvPr>
-        </p:nvSpPr>
-        <p:spPr>
-          <a:xfrm>
-            <a:off x="685800" y="4343400"/>
-            <a:ext cx="5486400" cy="4114800"/>
-          </a:xfrm>
-          <a:prstGeom prst="rect">
-            <a:avLst/>
-          </a:prstGeom>
-        </p:spPr>
-        <p:txBody>
-          <a:bodyPr anchorCtr="0" anchor="t" bIns="91425" lIns="91425" spcFirstLastPara="1" rIns="91425" wrap="square" tIns="91425">
-            <a:noAutofit/>
-          </a:bodyPr>
-          <a:lstStyle/>
-          <a:p>
-            <a:pPr indent="0" lvl="0" marL="0" rtl="0" algn="l">
-              <a:spcBef>
-                <a:spcPts val="0"/>
-              </a:spcBef>
-              <a:spcAft>
-                <a:spcPts val="0"/>
-              </a:spcAft>
-              <a:buNone/>
-            </a:pPr>
-            <a:r>
-              <a:t/>
-            </a:r>
-            <a:endParaRPr/>
-          </a:p>
-        </p:txBody>
-      </p:sp>
-    </p:spTree>
-  </p:cSld>
-  <p:clrMapOvr>
-    <a:masterClrMapping/>
-  </p:clrMapOvr>
-</p:notes>
-</file>
-
-<file path=ppt/notesSlides/notesSlide10.xml><?xml version="1.0" encoding="utf-8"?>
-<p:notes xmlns:a="http://schemas.openxmlformats.org/drawingml/2006/main" xmlns:r="http://schemas.openxmlformats.org/officeDocument/2006/relationships" xmlns:mc="http://schemas.openxmlformats.org/markup-compatibility/2006" xmlns:mv="urn:schemas-microsoft-com:mac:vml" xmlns:p="http://schemas.openxmlformats.org/presentationml/2006/main" xmlns:c="http://schemas.openxmlformats.org/drawingml/2006/chart" xmlns:dgm="http://schemas.openxmlformats.org/drawingml/2006/diagram" xmlns:o="urn:schemas-microsoft-com:office:office" xmlns:v="urn:schemas-microsoft-com:vml" xmlns:pvml="urn:schemas-microsoft-com:office:powerpoint" xmlns:com="http://schemas.openxmlformats.org/drawingml/2006/compatibility" xmlns:p14="http://schemas.microsoft.com/office/powerpoint/2010/main" xmlns:p15="http://schemas.microsoft.com/office/powerpoint/2012/main" showMasterPhAnim="0" showMasterSp="0">
-  <p:cSld>
-    <p:spTree>
-      <p:nvGrpSpPr>
-        <p:cNvPr id="192" name="Shape 192"/>
-        <p:cNvGrpSpPr/>
-        <p:nvPr/>
-      </p:nvGrpSpPr>
-      <p:grpSpPr>
-        <a:xfrm>
-          <a:off x="0" y="0"/>
-          <a:ext cx="0" cy="0"/>
-          <a:chOff x="0" y="0"/>
-          <a:chExt cx="0" cy="0"/>
-        </a:xfrm>
-      </p:grpSpPr>
-      <p:sp>
-        <p:nvSpPr>
-          <p:cNvPr id="193" name="Google Shape;193;g82c5005ac4_2_22:notes"/>
-          <p:cNvSpPr/>
-          <p:nvPr>
-            <p:ph idx="2" type="sldImg"/>
-          </p:nvPr>
-        </p:nvSpPr>
-        <p:spPr>
-          <a:xfrm>
-            <a:off x="381175" y="685800"/>
-            <a:ext cx="6096300" cy="3429000"/>
-          </a:xfrm>
-          <a:custGeom>
-            <a:rect b="b" l="l" r="r" t="t"/>
-            <a:pathLst>
-              <a:path extrusionOk="0" h="120000" w="120000">
-                <a:moveTo>
-                  <a:pt x="0" y="0"/>
-                </a:moveTo>
-                <a:lnTo>
-                  <a:pt x="120000" y="0"/>
-                </a:lnTo>
-                <a:lnTo>
-                  <a:pt x="120000" y="120000"/>
-                </a:lnTo>
-                <a:lnTo>
-                  <a:pt x="0" y="120000"/>
-                </a:lnTo>
-                <a:close/>
-              </a:path>
-            </a:pathLst>
-          </a:custGeom>
-        </p:spPr>
-      </p:sp>
-      <p:sp>
-        <p:nvSpPr>
-          <p:cNvPr id="194" name="Google Shape;194;g82c5005ac4_2_22:notes"/>
-          <p:cNvSpPr txBox="1"/>
-          <p:nvPr>
-            <p:ph idx="1" type="body"/>
-          </p:nvPr>
-        </p:nvSpPr>
-        <p:spPr>
-          <a:xfrm>
-            <a:off x="685800" y="4343400"/>
-            <a:ext cx="5486400" cy="4114800"/>
-          </a:xfrm>
-          <a:prstGeom prst="rect">
-            <a:avLst/>
-          </a:prstGeom>
-        </p:spPr>
-        <p:txBody>
-          <a:bodyPr anchorCtr="0" anchor="t" bIns="91425" lIns="91425" spcFirstLastPara="1" rIns="91425" wrap="square" tIns="91425">
-            <a:noAutofit/>
-          </a:bodyPr>
-          <a:lstStyle/>
-          <a:p>
-            <a:pPr indent="0" lvl="0" marL="0" rtl="0" algn="l">
-              <a:spcBef>
-                <a:spcPts val="0"/>
-              </a:spcBef>
-              <a:spcAft>
-                <a:spcPts val="0"/>
-              </a:spcAft>
-              <a:buNone/>
-            </a:pPr>
-            <a:r>
-              <a:t/>
-            </a:r>
-            <a:endParaRPr/>
-          </a:p>
-        </p:txBody>
-      </p:sp>
-    </p:spTree>
-  </p:cSld>
-  <p:clrMapOvr>
-    <a:masterClrMapping/>
-  </p:clrMapOvr>
-</p:notes>
-</file>
-
-<file path=ppt/notesSlides/notesSlide11.xml><?xml version="1.0" encoding="utf-8"?>
-<p:notes xmlns:a="http://schemas.openxmlformats.org/drawingml/2006/main" xmlns:r="http://schemas.openxmlformats.org/officeDocument/2006/relationships" xmlns:mc="http://schemas.openxmlformats.org/markup-compatibility/2006" xmlns:mv="urn:schemas-microsoft-com:mac:vml" xmlns:p="http://schemas.openxmlformats.org/presentationml/2006/main" xmlns:c="http://schemas.openxmlformats.org/drawingml/2006/chart" xmlns:dgm="http://schemas.openxmlformats.org/drawingml/2006/diagram" xmlns:o="urn:schemas-microsoft-com:office:office" xmlns:v="urn:schemas-microsoft-com:vml" xmlns:pvml="urn:schemas-microsoft-com:office:powerpoint" xmlns:com="http://schemas.openxmlformats.org/drawingml/2006/compatibility" xmlns:p14="http://schemas.microsoft.com/office/powerpoint/2010/main" xmlns:p15="http://schemas.microsoft.com/office/powerpoint/2012/main" showMasterPhAnim="0" showMasterSp="0">
-  <p:cSld>
-    <p:spTree>
-      <p:nvGrpSpPr>
-        <p:cNvPr id="200" name="Shape 200"/>
-        <p:cNvGrpSpPr/>
-        <p:nvPr/>
-      </p:nvGrpSpPr>
-      <p:grpSpPr>
-        <a:xfrm>
-          <a:off x="0" y="0"/>
-          <a:ext cx="0" cy="0"/>
-          <a:chOff x="0" y="0"/>
-          <a:chExt cx="0" cy="0"/>
-        </a:xfrm>
-      </p:grpSpPr>
-      <p:sp>
-        <p:nvSpPr>
-          <p:cNvPr id="201" name="Google Shape;201;g82c5005ac4_2_29:notes"/>
-          <p:cNvSpPr/>
-          <p:nvPr>
-            <p:ph idx="2" type="sldImg"/>
-          </p:nvPr>
-        </p:nvSpPr>
-        <p:spPr>
-          <a:xfrm>
-            <a:off x="381175" y="685800"/>
-            <a:ext cx="6096300" cy="3429000"/>
-          </a:xfrm>
-          <a:custGeom>
-            <a:rect b="b" l="l" r="r" t="t"/>
-            <a:pathLst>
-              <a:path extrusionOk="0" h="120000" w="120000">
-                <a:moveTo>
-                  <a:pt x="0" y="0"/>
-                </a:moveTo>
-                <a:lnTo>
-                  <a:pt x="120000" y="0"/>
-                </a:lnTo>
-                <a:lnTo>
-                  <a:pt x="120000" y="120000"/>
-                </a:lnTo>
-                <a:lnTo>
-                  <a:pt x="0" y="120000"/>
-                </a:lnTo>
-                <a:close/>
-              </a:path>
-            </a:pathLst>
-          </a:custGeom>
-        </p:spPr>
-      </p:sp>
-      <p:sp>
-        <p:nvSpPr>
-          <p:cNvPr id="202" name="Google Shape;202;g82c5005ac4_2_29:notes"/>
-          <p:cNvSpPr txBox="1"/>
-          <p:nvPr>
-            <p:ph idx="1" type="body"/>
-          </p:nvPr>
-        </p:nvSpPr>
-        <p:spPr>
-          <a:xfrm>
-            <a:off x="685800" y="4343400"/>
-            <a:ext cx="5486400" cy="4114800"/>
-          </a:xfrm>
-          <a:prstGeom prst="rect">
-            <a:avLst/>
-          </a:prstGeom>
-        </p:spPr>
-        <p:txBody>
-          <a:bodyPr anchorCtr="0" anchor="t" bIns="91425" lIns="91425" spcFirstLastPara="1" rIns="91425" wrap="square" tIns="91425">
-            <a:noAutofit/>
-          </a:bodyPr>
-          <a:lstStyle/>
-          <a:p>
-            <a:pPr indent="0" lvl="0" marL="0" rtl="0" algn="l">
-              <a:spcBef>
-                <a:spcPts val="0"/>
-              </a:spcBef>
-              <a:spcAft>
-                <a:spcPts val="0"/>
-              </a:spcAft>
-              <a:buNone/>
-            </a:pPr>
-            <a:r>
-              <a:t/>
-            </a:r>
-            <a:endParaRPr/>
-          </a:p>
-        </p:txBody>
-      </p:sp>
-    </p:spTree>
-  </p:cSld>
-  <p:clrMapOvr>
-    <a:masterClrMapping/>
-  </p:clrMapOvr>
-</p:notes>
-</file>
-
-<file path=ppt/notesSlides/notesSlide12.xml><?xml version="1.0" encoding="utf-8"?>
-<p:notes xmlns:a="http://schemas.openxmlformats.org/drawingml/2006/main" xmlns:r="http://schemas.openxmlformats.org/officeDocument/2006/relationships" xmlns:mc="http://schemas.openxmlformats.org/markup-compatibility/2006" xmlns:mv="urn:schemas-microsoft-com:mac:vml" xmlns:p="http://schemas.openxmlformats.org/presentationml/2006/main" xmlns:c="http://schemas.openxmlformats.org/drawingml/2006/chart" xmlns:dgm="http://schemas.openxmlformats.org/drawingml/2006/diagram" xmlns:o="urn:schemas-microsoft-com:office:office" xmlns:v="urn:schemas-microsoft-com:vml" xmlns:pvml="urn:schemas-microsoft-com:office:powerpoint" xmlns:com="http://schemas.openxmlformats.org/drawingml/2006/compatibility" xmlns:p14="http://schemas.microsoft.com/office/powerpoint/2010/main" xmlns:p15="http://schemas.microsoft.com/office/powerpoint/2012/main" showMasterPhAnim="0" showMasterSp="0">
-  <p:cSld>
-    <p:spTree>
-      <p:nvGrpSpPr>
-        <p:cNvPr id="208" name="Shape 208"/>
-        <p:cNvGrpSpPr/>
-        <p:nvPr/>
-      </p:nvGrpSpPr>
-      <p:grpSpPr>
-        <a:xfrm>
-          <a:off x="0" y="0"/>
-          <a:ext cx="0" cy="0"/>
-          <a:chOff x="0" y="0"/>
-          <a:chExt cx="0" cy="0"/>
-        </a:xfrm>
-      </p:grpSpPr>
-      <p:sp>
-        <p:nvSpPr>
-          <p:cNvPr id="209" name="Google Shape;209;g35ed75ccf_028:notes"/>
-          <p:cNvSpPr/>
-          <p:nvPr>
-            <p:ph idx="2" type="sldImg"/>
-          </p:nvPr>
-        </p:nvSpPr>
-        <p:spPr>
-          <a:xfrm>
-            <a:off x="381175" y="685800"/>
-            <a:ext cx="6096300" cy="3429000"/>
-          </a:xfrm>
-          <a:custGeom>
-            <a:rect b="b" l="l" r="r" t="t"/>
-            <a:pathLst>
-              <a:path extrusionOk="0" h="120000" w="120000">
-                <a:moveTo>
-                  <a:pt x="0" y="0"/>
-                </a:moveTo>
-                <a:lnTo>
-                  <a:pt x="120000" y="0"/>
-                </a:lnTo>
-                <a:lnTo>
-                  <a:pt x="120000" y="120000"/>
-                </a:lnTo>
-                <a:lnTo>
-                  <a:pt x="0" y="120000"/>
-                </a:lnTo>
-                <a:close/>
-              </a:path>
-            </a:pathLst>
-          </a:custGeom>
-        </p:spPr>
-      </p:sp>
-      <p:sp>
-        <p:nvSpPr>
-          <p:cNvPr id="210" name="Google Shape;210;g35ed75ccf_028:notes"/>
-          <p:cNvSpPr txBox="1"/>
-          <p:nvPr>
-            <p:ph idx="1" type="body"/>
-          </p:nvPr>
-        </p:nvSpPr>
-        <p:spPr>
-          <a:xfrm>
-            <a:off x="685800" y="4343400"/>
-            <a:ext cx="5486400" cy="4114800"/>
-          </a:xfrm>
-          <a:prstGeom prst="rect">
-            <a:avLst/>
-          </a:prstGeom>
-        </p:spPr>
-        <p:txBody>
-          <a:bodyPr anchorCtr="0" anchor="t" bIns="91425" lIns="91425" spcFirstLastPara="1" rIns="91425" wrap="square" tIns="91425">
-            <a:noAutofit/>
-          </a:bodyPr>
-          <a:lstStyle/>
-          <a:p>
-            <a:pPr indent="0" lvl="0" marL="0" rtl="0" algn="l">
-              <a:spcBef>
-                <a:spcPts val="0"/>
-              </a:spcBef>
-              <a:spcAft>
-                <a:spcPts val="0"/>
-              </a:spcAft>
-              <a:buNone/>
-            </a:pPr>
-            <a:r>
-              <a:t/>
-            </a:r>
-            <a:endParaRPr/>
-          </a:p>
-        </p:txBody>
-      </p:sp>
-    </p:spTree>
-  </p:cSld>
-  <p:clrMapOvr>
-    <a:masterClrMapping/>
-  </p:clrMapOvr>
-</p:notes>
-</file>
-
-<file path=ppt/notesSlides/notesSlide13.xml><?xml version="1.0" encoding="utf-8"?>
-<p:notes xmlns:a="http://schemas.openxmlformats.org/drawingml/2006/main" xmlns:r="http://schemas.openxmlformats.org/officeDocument/2006/relationships" xmlns:mc="http://schemas.openxmlformats.org/markup-compatibility/2006" xmlns:mv="urn:schemas-microsoft-com:mac:vml" xmlns:p="http://schemas.openxmlformats.org/presentationml/2006/main" xmlns:c="http://schemas.openxmlformats.org/drawingml/2006/chart" xmlns:dgm="http://schemas.openxmlformats.org/drawingml/2006/diagram" xmlns:o="urn:schemas-microsoft-com:office:office" xmlns:v="urn:schemas-microsoft-com:vml" xmlns:pvml="urn:schemas-microsoft-com:office:powerpoint" xmlns:com="http://schemas.openxmlformats.org/drawingml/2006/compatibility" xmlns:p14="http://schemas.microsoft.com/office/powerpoint/2010/main" xmlns:p15="http://schemas.microsoft.com/office/powerpoint/2012/main" showMasterPhAnim="0" showMasterSp="0">
-  <p:cSld>
-    <p:spTree>
-      <p:nvGrpSpPr>
-        <p:cNvPr id="215" name="Shape 215"/>
-        <p:cNvGrpSpPr/>
-        <p:nvPr/>
-      </p:nvGrpSpPr>
-      <p:grpSpPr>
-        <a:xfrm>
-          <a:off x="0" y="0"/>
-          <a:ext cx="0" cy="0"/>
-          <a:chOff x="0" y="0"/>
-          <a:chExt cx="0" cy="0"/>
-        </a:xfrm>
-      </p:grpSpPr>
-      <p:sp>
-        <p:nvSpPr>
-          <p:cNvPr id="216" name="Google Shape;216;g35ed75ccf_0113:notes"/>
-          <p:cNvSpPr/>
-          <p:nvPr>
-            <p:ph idx="2" type="sldImg"/>
-          </p:nvPr>
-        </p:nvSpPr>
-        <p:spPr>
-          <a:xfrm>
-            <a:off x="381175" y="685800"/>
-            <a:ext cx="6096300" cy="3429000"/>
-          </a:xfrm>
-          <a:custGeom>
-            <a:rect b="b" l="l" r="r" t="t"/>
-            <a:pathLst>
-              <a:path extrusionOk="0" h="120000" w="120000">
-                <a:moveTo>
-                  <a:pt x="0" y="0"/>
-                </a:moveTo>
-                <a:lnTo>
-                  <a:pt x="120000" y="0"/>
-                </a:lnTo>
-                <a:lnTo>
-                  <a:pt x="120000" y="120000"/>
-                </a:lnTo>
-                <a:lnTo>
-                  <a:pt x="0" y="120000"/>
-                </a:lnTo>
-                <a:close/>
-              </a:path>
-            </a:pathLst>
-          </a:custGeom>
-        </p:spPr>
-      </p:sp>
-      <p:sp>
-        <p:nvSpPr>
-          <p:cNvPr id="217" name="Google Shape;217;g35ed75ccf_0113:notes"/>
           <p:cNvSpPr txBox="1"/>
           <p:nvPr>
             <p:ph idx="1" type="body"/>
@@ -9636,1175 +9236,6 @@
 </p:sld>
 </file>
 
-<file path=ppt/slides/slide10.xml><?xml version="1.0" encoding="utf-8"?>
-<p:sld xmlns:a="http://schemas.openxmlformats.org/drawingml/2006/main" xmlns:r="http://schemas.openxmlformats.org/officeDocument/2006/relationships" xmlns:mc="http://schemas.openxmlformats.org/markup-compatibility/2006" xmlns:mv="urn:schemas-microsoft-com:mac:vml" xmlns:p="http://schemas.openxmlformats.org/presentationml/2006/main" xmlns:c="http://schemas.openxmlformats.org/drawingml/2006/chart" xmlns:dgm="http://schemas.openxmlformats.org/drawingml/2006/diagram" xmlns:o="urn:schemas-microsoft-com:office:office" xmlns:v="urn:schemas-microsoft-com:vml" xmlns:pvml="urn:schemas-microsoft-com:office:powerpoint" xmlns:com="http://schemas.openxmlformats.org/drawingml/2006/compatibility" xmlns:p14="http://schemas.microsoft.com/office/powerpoint/2010/main" xmlns:p15="http://schemas.microsoft.com/office/powerpoint/2012/main">
-  <p:cSld>
-    <p:bg>
-      <p:bgPr>
-        <a:blipFill>
-          <a:blip r:embed="rId3">
-            <a:alphaModFix/>
-          </a:blip>
-          <a:stretch>
-            <a:fillRect/>
-          </a:stretch>
-        </a:blipFill>
-      </p:bgPr>
-    </p:bg>
-    <p:spTree>
-      <p:nvGrpSpPr>
-        <p:cNvPr id="195" name="Shape 195"/>
-        <p:cNvGrpSpPr/>
-        <p:nvPr/>
-      </p:nvGrpSpPr>
-      <p:grpSpPr>
-        <a:xfrm>
-          <a:off x="0" y="0"/>
-          <a:ext cx="0" cy="0"/>
-          <a:chOff x="0" y="0"/>
-          <a:chExt cx="0" cy="0"/>
-        </a:xfrm>
-      </p:grpSpPr>
-      <p:sp>
-        <p:nvSpPr>
-          <p:cNvPr id="196" name="Google Shape;196;p23"/>
-          <p:cNvSpPr txBox="1"/>
-          <p:nvPr>
-            <p:ph idx="4294967295" type="title"/>
-          </p:nvPr>
-        </p:nvSpPr>
-        <p:spPr>
-          <a:xfrm>
-            <a:off x="455675" y="0"/>
-            <a:ext cx="4118100" cy="908100"/>
-          </a:xfrm>
-          <a:prstGeom prst="rect">
-            <a:avLst/>
-          </a:prstGeom>
-        </p:spPr>
-        <p:txBody>
-          <a:bodyPr anchorCtr="0" anchor="ctr" bIns="0" lIns="0" spcFirstLastPara="1" rIns="0" wrap="square" tIns="0">
-            <a:noAutofit/>
-          </a:bodyPr>
-          <a:lstStyle/>
-          <a:p>
-            <a:pPr indent="0" lvl="0" marL="0" rtl="0" algn="l">
-              <a:spcBef>
-                <a:spcPts val="0"/>
-              </a:spcBef>
-              <a:spcAft>
-                <a:spcPts val="0"/>
-              </a:spcAft>
-              <a:buNone/>
-            </a:pPr>
-            <a:r>
-              <a:rPr lang="en" sz="1800"/>
-              <a:t>Application </a:t>
-            </a:r>
-            <a:r>
-              <a:rPr lang="en" sz="1800">
-                <a:solidFill>
-                  <a:schemeClr val="accent1"/>
-                </a:solidFill>
-              </a:rPr>
-              <a:t>Web Pages</a:t>
-            </a:r>
-            <a:endParaRPr sz="1800"/>
-          </a:p>
-        </p:txBody>
-      </p:sp>
-      <p:sp>
-        <p:nvSpPr>
-          <p:cNvPr id="197" name="Google Shape;197;p23"/>
-          <p:cNvSpPr txBox="1"/>
-          <p:nvPr>
-            <p:ph idx="12" type="sldNum"/>
-          </p:nvPr>
-        </p:nvSpPr>
-        <p:spPr>
-          <a:xfrm>
-            <a:off x="8760475" y="4759953"/>
-            <a:ext cx="383400" cy="383400"/>
-          </a:xfrm>
-          <a:prstGeom prst="rect">
-            <a:avLst/>
-          </a:prstGeom>
-        </p:spPr>
-        <p:txBody>
-          <a:bodyPr anchorCtr="0" anchor="ctr" bIns="0" lIns="0" spcFirstLastPara="1" rIns="0" wrap="square" tIns="0">
-            <a:noAutofit/>
-          </a:bodyPr>
-          <a:lstStyle/>
-          <a:p>
-            <a:pPr indent="0" lvl="0" marL="0" rtl="0" algn="ctr">
-              <a:spcBef>
-                <a:spcPts val="0"/>
-              </a:spcBef>
-              <a:spcAft>
-                <a:spcPts val="0"/>
-              </a:spcAft>
-              <a:buNone/>
-            </a:pPr>
-            <a:fld id="{00000000-1234-1234-1234-123412341234}" type="slidenum">
-              <a:rPr lang="en"/>
-              <a:t>‹#›</a:t>
-            </a:fld>
-            <a:endParaRPr/>
-          </a:p>
-        </p:txBody>
-      </p:sp>
-      <p:sp>
-        <p:nvSpPr>
-          <p:cNvPr id="198" name="Google Shape;198;p23"/>
-          <p:cNvSpPr/>
-          <p:nvPr/>
-        </p:nvSpPr>
-        <p:spPr>
-          <a:xfrm>
-            <a:off x="2505250" y="1071550"/>
-            <a:ext cx="4118100" cy="2091300"/>
-          </a:xfrm>
-          <a:prstGeom prst="roundRect">
-            <a:avLst>
-              <a:gd fmla="val 16667" name="adj"/>
-            </a:avLst>
-          </a:prstGeom>
-          <a:solidFill>
-            <a:srgbClr val="D0E2E3">
-              <a:alpha val="45250"/>
-            </a:srgbClr>
-          </a:solidFill>
-          <a:ln cap="flat" cmpd="sng" w="9525">
-            <a:solidFill>
-              <a:schemeClr val="dk2"/>
-            </a:solidFill>
-            <a:prstDash val="solid"/>
-            <a:round/>
-            <a:headEnd len="sm" w="sm" type="none"/>
-            <a:tailEnd len="sm" w="sm" type="none"/>
-          </a:ln>
-        </p:spPr>
-        <p:txBody>
-          <a:bodyPr anchorCtr="0" anchor="ctr" bIns="91425" lIns="91425" spcFirstLastPara="1" rIns="91425" wrap="square" tIns="91425">
-            <a:noAutofit/>
-          </a:bodyPr>
-          <a:lstStyle/>
-          <a:p>
-            <a:pPr indent="0" lvl="0" marL="0" rtl="0" algn="l">
-              <a:spcBef>
-                <a:spcPts val="0"/>
-              </a:spcBef>
-              <a:spcAft>
-                <a:spcPts val="0"/>
-              </a:spcAft>
-              <a:buNone/>
-            </a:pPr>
-            <a:r>
-              <a:t/>
-            </a:r>
-            <a:endParaRPr/>
-          </a:p>
-        </p:txBody>
-      </p:sp>
-      <p:sp>
-        <p:nvSpPr>
-          <p:cNvPr id="199" name="Google Shape;199;p23"/>
-          <p:cNvSpPr txBox="1"/>
-          <p:nvPr>
-            <p:ph idx="4294967295" type="ctrTitle"/>
-          </p:nvPr>
-        </p:nvSpPr>
-        <p:spPr>
-          <a:xfrm>
-            <a:off x="2679375" y="1160250"/>
-            <a:ext cx="3683400" cy="1801500"/>
-          </a:xfrm>
-          <a:prstGeom prst="rect">
-            <a:avLst/>
-          </a:prstGeom>
-        </p:spPr>
-        <p:txBody>
-          <a:bodyPr anchorCtr="0" anchor="ctr" bIns="0" lIns="0" spcFirstLastPara="1" rIns="0" wrap="square" tIns="0">
-            <a:noAutofit/>
-          </a:bodyPr>
-          <a:lstStyle/>
-          <a:p>
-            <a:pPr indent="0" lvl="0" marL="0" rtl="0" algn="ctr">
-              <a:lnSpc>
-                <a:spcPct val="80000"/>
-              </a:lnSpc>
-              <a:spcBef>
-                <a:spcPts val="0"/>
-              </a:spcBef>
-              <a:spcAft>
-                <a:spcPts val="0"/>
-              </a:spcAft>
-              <a:buNone/>
-            </a:pPr>
-            <a:r>
-              <a:rPr lang="en" sz="4800">
-                <a:solidFill>
-                  <a:schemeClr val="accent1"/>
-                </a:solidFill>
-              </a:rPr>
-              <a:t>Visuals Page</a:t>
-            </a:r>
-            <a:endParaRPr sz="4800">
-              <a:solidFill>
-                <a:schemeClr val="accent1"/>
-              </a:solidFill>
-            </a:endParaRPr>
-          </a:p>
-        </p:txBody>
-      </p:sp>
-    </p:spTree>
-  </p:cSld>
-  <p:clrMapOvr>
-    <a:masterClrMapping/>
-  </p:clrMapOvr>
-</p:sld>
-</file>
-
-<file path=ppt/slides/slide11.xml><?xml version="1.0" encoding="utf-8"?>
-<p:sld xmlns:a="http://schemas.openxmlformats.org/drawingml/2006/main" xmlns:r="http://schemas.openxmlformats.org/officeDocument/2006/relationships" xmlns:mc="http://schemas.openxmlformats.org/markup-compatibility/2006" xmlns:mv="urn:schemas-microsoft-com:mac:vml" xmlns:p="http://schemas.openxmlformats.org/presentationml/2006/main" xmlns:c="http://schemas.openxmlformats.org/drawingml/2006/chart" xmlns:dgm="http://schemas.openxmlformats.org/drawingml/2006/diagram" xmlns:o="urn:schemas-microsoft-com:office:office" xmlns:v="urn:schemas-microsoft-com:vml" xmlns:pvml="urn:schemas-microsoft-com:office:powerpoint" xmlns:com="http://schemas.openxmlformats.org/drawingml/2006/compatibility" xmlns:p14="http://schemas.microsoft.com/office/powerpoint/2010/main" xmlns:p15="http://schemas.microsoft.com/office/powerpoint/2012/main">
-  <p:cSld>
-    <p:bg>
-      <p:bgPr>
-        <a:blipFill>
-          <a:blip r:embed="rId3">
-            <a:alphaModFix/>
-          </a:blip>
-          <a:stretch>
-            <a:fillRect/>
-          </a:stretch>
-        </a:blipFill>
-      </p:bgPr>
-    </p:bg>
-    <p:spTree>
-      <p:nvGrpSpPr>
-        <p:cNvPr id="203" name="Shape 203"/>
-        <p:cNvGrpSpPr/>
-        <p:nvPr/>
-      </p:nvGrpSpPr>
-      <p:grpSpPr>
-        <a:xfrm>
-          <a:off x="0" y="0"/>
-          <a:ext cx="0" cy="0"/>
-          <a:chOff x="0" y="0"/>
-          <a:chExt cx="0" cy="0"/>
-        </a:xfrm>
-      </p:grpSpPr>
-      <p:sp>
-        <p:nvSpPr>
-          <p:cNvPr id="204" name="Google Shape;204;p24"/>
-          <p:cNvSpPr txBox="1"/>
-          <p:nvPr>
-            <p:ph idx="4294967295" type="title"/>
-          </p:nvPr>
-        </p:nvSpPr>
-        <p:spPr>
-          <a:xfrm>
-            <a:off x="455675" y="0"/>
-            <a:ext cx="4118100" cy="908100"/>
-          </a:xfrm>
-          <a:prstGeom prst="rect">
-            <a:avLst/>
-          </a:prstGeom>
-        </p:spPr>
-        <p:txBody>
-          <a:bodyPr anchorCtr="0" anchor="ctr" bIns="0" lIns="0" spcFirstLastPara="1" rIns="0" wrap="square" tIns="0">
-            <a:noAutofit/>
-          </a:bodyPr>
-          <a:lstStyle/>
-          <a:p>
-            <a:pPr indent="0" lvl="0" marL="0" rtl="0" algn="l">
-              <a:spcBef>
-                <a:spcPts val="0"/>
-              </a:spcBef>
-              <a:spcAft>
-                <a:spcPts val="0"/>
-              </a:spcAft>
-              <a:buNone/>
-            </a:pPr>
-            <a:r>
-              <a:rPr lang="en" sz="1800"/>
-              <a:t>Application </a:t>
-            </a:r>
-            <a:r>
-              <a:rPr lang="en" sz="1800">
-                <a:solidFill>
-                  <a:schemeClr val="accent1"/>
-                </a:solidFill>
-              </a:rPr>
-              <a:t>Web Pages</a:t>
-            </a:r>
-            <a:endParaRPr sz="1800"/>
-          </a:p>
-        </p:txBody>
-      </p:sp>
-      <p:sp>
-        <p:nvSpPr>
-          <p:cNvPr id="205" name="Google Shape;205;p24"/>
-          <p:cNvSpPr txBox="1"/>
-          <p:nvPr>
-            <p:ph idx="12" type="sldNum"/>
-          </p:nvPr>
-        </p:nvSpPr>
-        <p:spPr>
-          <a:xfrm>
-            <a:off x="8760475" y="4759953"/>
-            <a:ext cx="383400" cy="383400"/>
-          </a:xfrm>
-          <a:prstGeom prst="rect">
-            <a:avLst/>
-          </a:prstGeom>
-        </p:spPr>
-        <p:txBody>
-          <a:bodyPr anchorCtr="0" anchor="ctr" bIns="0" lIns="0" spcFirstLastPara="1" rIns="0" wrap="square" tIns="0">
-            <a:noAutofit/>
-          </a:bodyPr>
-          <a:lstStyle/>
-          <a:p>
-            <a:pPr indent="0" lvl="0" marL="0" rtl="0" algn="ctr">
-              <a:spcBef>
-                <a:spcPts val="0"/>
-              </a:spcBef>
-              <a:spcAft>
-                <a:spcPts val="0"/>
-              </a:spcAft>
-              <a:buNone/>
-            </a:pPr>
-            <a:fld id="{00000000-1234-1234-1234-123412341234}" type="slidenum">
-              <a:rPr lang="en"/>
-              <a:t>‹#›</a:t>
-            </a:fld>
-            <a:endParaRPr/>
-          </a:p>
-        </p:txBody>
-      </p:sp>
-      <p:sp>
-        <p:nvSpPr>
-          <p:cNvPr id="206" name="Google Shape;206;p24"/>
-          <p:cNvSpPr/>
-          <p:nvPr/>
-        </p:nvSpPr>
-        <p:spPr>
-          <a:xfrm>
-            <a:off x="2505250" y="1071550"/>
-            <a:ext cx="4118100" cy="2091300"/>
-          </a:xfrm>
-          <a:prstGeom prst="roundRect">
-            <a:avLst>
-              <a:gd fmla="val 16667" name="adj"/>
-            </a:avLst>
-          </a:prstGeom>
-          <a:solidFill>
-            <a:srgbClr val="D0E2E3">
-              <a:alpha val="45250"/>
-            </a:srgbClr>
-          </a:solidFill>
-          <a:ln cap="flat" cmpd="sng" w="9525">
-            <a:solidFill>
-              <a:schemeClr val="dk2"/>
-            </a:solidFill>
-            <a:prstDash val="solid"/>
-            <a:round/>
-            <a:headEnd len="sm" w="sm" type="none"/>
-            <a:tailEnd len="sm" w="sm" type="none"/>
-          </a:ln>
-        </p:spPr>
-        <p:txBody>
-          <a:bodyPr anchorCtr="0" anchor="ctr" bIns="91425" lIns="91425" spcFirstLastPara="1" rIns="91425" wrap="square" tIns="91425">
-            <a:noAutofit/>
-          </a:bodyPr>
-          <a:lstStyle/>
-          <a:p>
-            <a:pPr indent="0" lvl="0" marL="0" rtl="0" algn="l">
-              <a:spcBef>
-                <a:spcPts val="0"/>
-              </a:spcBef>
-              <a:spcAft>
-                <a:spcPts val="0"/>
-              </a:spcAft>
-              <a:buNone/>
-            </a:pPr>
-            <a:r>
-              <a:t/>
-            </a:r>
-            <a:endParaRPr/>
-          </a:p>
-        </p:txBody>
-      </p:sp>
-      <p:sp>
-        <p:nvSpPr>
-          <p:cNvPr id="207" name="Google Shape;207;p24"/>
-          <p:cNvSpPr txBox="1"/>
-          <p:nvPr>
-            <p:ph idx="4294967295" type="ctrTitle"/>
-          </p:nvPr>
-        </p:nvSpPr>
-        <p:spPr>
-          <a:xfrm>
-            <a:off x="2679375" y="1160250"/>
-            <a:ext cx="3683400" cy="1801500"/>
-          </a:xfrm>
-          <a:prstGeom prst="rect">
-            <a:avLst/>
-          </a:prstGeom>
-        </p:spPr>
-        <p:txBody>
-          <a:bodyPr anchorCtr="0" anchor="ctr" bIns="0" lIns="0" spcFirstLastPara="1" rIns="0" wrap="square" tIns="0">
-            <a:noAutofit/>
-          </a:bodyPr>
-          <a:lstStyle/>
-          <a:p>
-            <a:pPr indent="0" lvl="0" marL="0" rtl="0" algn="ctr">
-              <a:lnSpc>
-                <a:spcPct val="80000"/>
-              </a:lnSpc>
-              <a:spcBef>
-                <a:spcPts val="0"/>
-              </a:spcBef>
-              <a:spcAft>
-                <a:spcPts val="0"/>
-              </a:spcAft>
-              <a:buNone/>
-            </a:pPr>
-            <a:r>
-              <a:rPr lang="en" sz="4800">
-                <a:solidFill>
-                  <a:schemeClr val="accent1"/>
-                </a:solidFill>
-              </a:rPr>
-              <a:t>Predictions Page</a:t>
-            </a:r>
-            <a:endParaRPr sz="4800">
-              <a:solidFill>
-                <a:schemeClr val="accent1"/>
-              </a:solidFill>
-            </a:endParaRPr>
-          </a:p>
-        </p:txBody>
-      </p:sp>
-    </p:spTree>
-  </p:cSld>
-  <p:clrMapOvr>
-    <a:masterClrMapping/>
-  </p:clrMapOvr>
-</p:sld>
-</file>
-
-<file path=ppt/slides/slide12.xml><?xml version="1.0" encoding="utf-8"?>
-<p:sld xmlns:a="http://schemas.openxmlformats.org/drawingml/2006/main" xmlns:r="http://schemas.openxmlformats.org/officeDocument/2006/relationships" xmlns:mc="http://schemas.openxmlformats.org/markup-compatibility/2006" xmlns:mv="urn:schemas-microsoft-com:mac:vml" xmlns:p="http://schemas.openxmlformats.org/presentationml/2006/main" xmlns:c="http://schemas.openxmlformats.org/drawingml/2006/chart" xmlns:dgm="http://schemas.openxmlformats.org/drawingml/2006/diagram" xmlns:o="urn:schemas-microsoft-com:office:office" xmlns:v="urn:schemas-microsoft-com:vml" xmlns:pvml="urn:schemas-microsoft-com:office:powerpoint" xmlns:com="http://schemas.openxmlformats.org/drawingml/2006/compatibility" xmlns:p14="http://schemas.microsoft.com/office/powerpoint/2010/main" xmlns:p15="http://schemas.microsoft.com/office/powerpoint/2012/main">
-  <p:cSld>
-    <p:bg>
-      <p:bgPr>
-        <a:solidFill>
-          <a:schemeClr val="accent1"/>
-        </a:solidFill>
-      </p:bgPr>
-    </p:bg>
-    <p:spTree>
-      <p:nvGrpSpPr>
-        <p:cNvPr id="211" name="Shape 211"/>
-        <p:cNvGrpSpPr/>
-        <p:nvPr/>
-      </p:nvGrpSpPr>
-      <p:grpSpPr>
-        <a:xfrm>
-          <a:off x="0" y="0"/>
-          <a:ext cx="0" cy="0"/>
-          <a:chOff x="0" y="0"/>
-          <a:chExt cx="0" cy="0"/>
-        </a:xfrm>
-      </p:grpSpPr>
-      <p:sp>
-        <p:nvSpPr>
-          <p:cNvPr id="212" name="Google Shape;212;p25"/>
-          <p:cNvSpPr txBox="1"/>
-          <p:nvPr>
-            <p:ph idx="4294967295" type="ctrTitle"/>
-          </p:nvPr>
-        </p:nvSpPr>
-        <p:spPr>
-          <a:xfrm>
-            <a:off x="685800" y="1583342"/>
-            <a:ext cx="7772400" cy="1159800"/>
-          </a:xfrm>
-          <a:prstGeom prst="rect">
-            <a:avLst/>
-          </a:prstGeom>
-        </p:spPr>
-        <p:txBody>
-          <a:bodyPr anchorCtr="0" anchor="ctr" bIns="0" lIns="0" spcFirstLastPara="1" rIns="0" wrap="square" tIns="0">
-            <a:noAutofit/>
-          </a:bodyPr>
-          <a:lstStyle/>
-          <a:p>
-            <a:pPr indent="0" lvl="0" marL="0" rtl="0" algn="ctr">
-              <a:spcBef>
-                <a:spcPts val="0"/>
-              </a:spcBef>
-              <a:spcAft>
-                <a:spcPts val="0"/>
-              </a:spcAft>
-              <a:buNone/>
-            </a:pPr>
-            <a:r>
-              <a:rPr lang="en" sz="9600"/>
-              <a:t>25,564</a:t>
-            </a:r>
-            <a:endParaRPr sz="9600"/>
-          </a:p>
-        </p:txBody>
-      </p:sp>
-      <p:sp>
-        <p:nvSpPr>
-          <p:cNvPr id="213" name="Google Shape;213;p25"/>
-          <p:cNvSpPr txBox="1"/>
-          <p:nvPr>
-            <p:ph idx="4294967295" type="subTitle"/>
-          </p:nvPr>
-        </p:nvSpPr>
-        <p:spPr>
-          <a:xfrm>
-            <a:off x="685800" y="2840053"/>
-            <a:ext cx="7772400" cy="784800"/>
-          </a:xfrm>
-          <a:prstGeom prst="rect">
-            <a:avLst/>
-          </a:prstGeom>
-        </p:spPr>
-        <p:txBody>
-          <a:bodyPr anchorCtr="0" anchor="t" bIns="0" lIns="0" spcFirstLastPara="1" rIns="0" wrap="square" tIns="0">
-            <a:noAutofit/>
-          </a:bodyPr>
-          <a:lstStyle/>
-          <a:p>
-            <a:pPr indent="0" lvl="0" marL="0" rtl="0" algn="ctr">
-              <a:spcBef>
-                <a:spcPts val="600"/>
-              </a:spcBef>
-              <a:spcAft>
-                <a:spcPts val="0"/>
-              </a:spcAft>
-              <a:buNone/>
-            </a:pPr>
-            <a:r>
-              <a:rPr lang="en"/>
-              <a:t>For a total top ten zip codes in the Houston area</a:t>
-            </a:r>
-            <a:endParaRPr/>
-          </a:p>
-        </p:txBody>
-      </p:sp>
-      <p:sp>
-        <p:nvSpPr>
-          <p:cNvPr id="214" name="Google Shape;214;p25"/>
-          <p:cNvSpPr txBox="1"/>
-          <p:nvPr>
-            <p:ph idx="12" type="sldNum"/>
-          </p:nvPr>
-        </p:nvSpPr>
-        <p:spPr>
-          <a:xfrm>
-            <a:off x="8760475" y="4759953"/>
-            <a:ext cx="383400" cy="383400"/>
-          </a:xfrm>
-          <a:prstGeom prst="rect">
-            <a:avLst/>
-          </a:prstGeom>
-        </p:spPr>
-        <p:txBody>
-          <a:bodyPr anchorCtr="0" anchor="ctr" bIns="0" lIns="0" spcFirstLastPara="1" rIns="0" wrap="square" tIns="0">
-            <a:noAutofit/>
-          </a:bodyPr>
-          <a:lstStyle/>
-          <a:p>
-            <a:pPr indent="0" lvl="0" marL="0" rtl="0" algn="ctr">
-              <a:spcBef>
-                <a:spcPts val="0"/>
-              </a:spcBef>
-              <a:spcAft>
-                <a:spcPts val="0"/>
-              </a:spcAft>
-              <a:buNone/>
-            </a:pPr>
-            <a:fld id="{00000000-1234-1234-1234-123412341234}" type="slidenum">
-              <a:rPr lang="en"/>
-              <a:t>‹#›</a:t>
-            </a:fld>
-            <a:endParaRPr/>
-          </a:p>
-        </p:txBody>
-      </p:sp>
-    </p:spTree>
-  </p:cSld>
-  <p:clrMapOvr>
-    <a:masterClrMapping/>
-  </p:clrMapOvr>
-</p:sld>
-</file>
-
-<file path=ppt/slides/slide13.xml><?xml version="1.0" encoding="utf-8"?>
-<p:sld xmlns:a="http://schemas.openxmlformats.org/drawingml/2006/main" xmlns:r="http://schemas.openxmlformats.org/officeDocument/2006/relationships" xmlns:mc="http://schemas.openxmlformats.org/markup-compatibility/2006" xmlns:mv="urn:schemas-microsoft-com:mac:vml" xmlns:p="http://schemas.openxmlformats.org/presentationml/2006/main" xmlns:c="http://schemas.openxmlformats.org/drawingml/2006/chart" xmlns:dgm="http://schemas.openxmlformats.org/drawingml/2006/diagram" xmlns:o="urn:schemas-microsoft-com:office:office" xmlns:v="urn:schemas-microsoft-com:vml" xmlns:pvml="urn:schemas-microsoft-com:office:powerpoint" xmlns:com="http://schemas.openxmlformats.org/drawingml/2006/compatibility" xmlns:p14="http://schemas.microsoft.com/office/powerpoint/2010/main" xmlns:p15="http://schemas.microsoft.com/office/powerpoint/2012/main">
-  <p:cSld>
-    <p:bg>
-      <p:bgPr>
-        <a:solidFill>
-          <a:schemeClr val="lt2"/>
-        </a:solidFill>
-      </p:bgPr>
-    </p:bg>
-    <p:spTree>
-      <p:nvGrpSpPr>
-        <p:cNvPr id="218" name="Shape 218"/>
-        <p:cNvGrpSpPr/>
-        <p:nvPr/>
-      </p:nvGrpSpPr>
-      <p:grpSpPr>
-        <a:xfrm>
-          <a:off x="0" y="0"/>
-          <a:ext cx="0" cy="0"/>
-          <a:chOff x="0" y="0"/>
-          <a:chExt cx="0" cy="0"/>
-        </a:xfrm>
-      </p:grpSpPr>
-      <p:sp>
-        <p:nvSpPr>
-          <p:cNvPr id="219" name="Google Shape;219;p26"/>
-          <p:cNvSpPr/>
-          <p:nvPr/>
-        </p:nvSpPr>
-        <p:spPr>
-          <a:xfrm>
-            <a:off x="4450075" y="1305138"/>
-            <a:ext cx="3532500" cy="2249400"/>
-          </a:xfrm>
-          <a:prstGeom prst="rect">
-            <a:avLst/>
-          </a:prstGeom>
-          <a:noFill/>
-          <a:ln>
-            <a:noFill/>
-          </a:ln>
-        </p:spPr>
-        <p:txBody>
-          <a:bodyPr anchorCtr="0" anchor="ctr" bIns="91425" lIns="91425" spcFirstLastPara="1" rIns="91425" wrap="square" tIns="91425">
-            <a:noAutofit/>
-          </a:bodyPr>
-          <a:lstStyle/>
-          <a:p>
-            <a:pPr indent="0" lvl="0" marL="0" rtl="0" algn="ctr">
-              <a:spcBef>
-                <a:spcPts val="0"/>
-              </a:spcBef>
-              <a:spcAft>
-                <a:spcPts val="0"/>
-              </a:spcAft>
-              <a:buNone/>
-            </a:pPr>
-            <a:r>
-              <a:t/>
-            </a:r>
-            <a:endParaRPr sz="1000">
-              <a:solidFill>
-                <a:schemeClr val="dk2"/>
-              </a:solidFill>
-              <a:latin typeface="Raleway"/>
-              <a:ea typeface="Raleway"/>
-              <a:cs typeface="Raleway"/>
-              <a:sym typeface="Raleway"/>
-            </a:endParaRPr>
-          </a:p>
-        </p:txBody>
-      </p:sp>
-      <p:sp>
-        <p:nvSpPr>
-          <p:cNvPr id="220" name="Google Shape;220;p26"/>
-          <p:cNvSpPr txBox="1"/>
-          <p:nvPr>
-            <p:ph idx="12" type="sldNum"/>
-          </p:nvPr>
-        </p:nvSpPr>
-        <p:spPr>
-          <a:xfrm>
-            <a:off x="8760475" y="4759953"/>
-            <a:ext cx="383400" cy="383400"/>
-          </a:xfrm>
-          <a:prstGeom prst="rect">
-            <a:avLst/>
-          </a:prstGeom>
-        </p:spPr>
-        <p:txBody>
-          <a:bodyPr anchorCtr="0" anchor="ctr" bIns="0" lIns="0" spcFirstLastPara="1" rIns="0" wrap="square" tIns="0">
-            <a:noAutofit/>
-          </a:bodyPr>
-          <a:lstStyle/>
-          <a:p>
-            <a:pPr indent="0" lvl="0" marL="0" rtl="0" algn="ctr">
-              <a:spcBef>
-                <a:spcPts val="0"/>
-              </a:spcBef>
-              <a:spcAft>
-                <a:spcPts val="0"/>
-              </a:spcAft>
-              <a:buNone/>
-            </a:pPr>
-            <a:fld id="{00000000-1234-1234-1234-123412341234}" type="slidenum">
-              <a:rPr lang="en"/>
-              <a:t>‹#›</a:t>
-            </a:fld>
-            <a:endParaRPr/>
-          </a:p>
-        </p:txBody>
-      </p:sp>
-      <p:grpSp>
-        <p:nvGrpSpPr>
-          <p:cNvPr id="221" name="Google Shape;221;p26"/>
-          <p:cNvGrpSpPr/>
-          <p:nvPr/>
-        </p:nvGrpSpPr>
-        <p:grpSpPr>
-          <a:xfrm>
-            <a:off x="3945224" y="1164929"/>
-            <a:ext cx="4542205" cy="2661224"/>
-            <a:chOff x="1177450" y="241631"/>
-            <a:chExt cx="6173152" cy="3616776"/>
-          </a:xfrm>
-        </p:grpSpPr>
-        <p:sp>
-          <p:nvSpPr>
-            <p:cNvPr id="222" name="Google Shape;222;p26"/>
-            <p:cNvSpPr/>
-            <p:nvPr/>
-          </p:nvSpPr>
-          <p:spPr>
-            <a:xfrm>
-              <a:off x="1682275" y="241631"/>
-              <a:ext cx="5161606" cy="3454973"/>
-            </a:xfrm>
-            <a:custGeom>
-              <a:rect b="b" l="l" r="r" t="t"/>
-              <a:pathLst>
-                <a:path extrusionOk="0" h="3454973" w="5161606">
-                  <a:moveTo>
-                    <a:pt x="4992053" y="0"/>
-                  </a:moveTo>
-                  <a:lnTo>
-                    <a:pt x="170498" y="0"/>
-                  </a:lnTo>
-                  <a:cubicBezTo>
-                    <a:pt x="76200" y="0"/>
-                    <a:pt x="0" y="76143"/>
-                    <a:pt x="0" y="170369"/>
-                  </a:cubicBezTo>
-                  <a:lnTo>
-                    <a:pt x="0" y="3396915"/>
-                  </a:lnTo>
-                  <a:cubicBezTo>
-                    <a:pt x="0" y="3429275"/>
-                    <a:pt x="26670" y="3454973"/>
-                    <a:pt x="58102" y="3454973"/>
-                  </a:cubicBezTo>
-                  <a:lnTo>
-                    <a:pt x="5103495" y="3454973"/>
-                  </a:lnTo>
-                  <a:cubicBezTo>
-                    <a:pt x="5135880" y="3454973"/>
-                    <a:pt x="5161598" y="3428324"/>
-                    <a:pt x="5161598" y="3396915"/>
-                  </a:cubicBezTo>
-                  <a:lnTo>
-                    <a:pt x="5161598" y="170369"/>
-                  </a:lnTo>
-                  <a:cubicBezTo>
-                    <a:pt x="5162550" y="76143"/>
-                    <a:pt x="5086350" y="0"/>
-                    <a:pt x="4992053" y="0"/>
-                  </a:cubicBezTo>
-                  <a:close/>
-                  <a:moveTo>
-                    <a:pt x="4981575" y="3245581"/>
-                  </a:moveTo>
-                  <a:lnTo>
-                    <a:pt x="190500" y="3245581"/>
-                  </a:lnTo>
-                  <a:lnTo>
-                    <a:pt x="190500" y="199874"/>
-                  </a:lnTo>
-                  <a:lnTo>
-                    <a:pt x="4981575" y="199874"/>
-                  </a:lnTo>
-                  <a:lnTo>
-                    <a:pt x="4981575" y="3245581"/>
-                  </a:lnTo>
-                  <a:close/>
-                </a:path>
-              </a:pathLst>
-            </a:custGeom>
-            <a:solidFill>
-              <a:schemeClr val="dk1"/>
-            </a:solidFill>
-            <a:ln>
-              <a:noFill/>
-            </a:ln>
-          </p:spPr>
-          <p:txBody>
-            <a:bodyPr anchorCtr="0" anchor="ctr" bIns="45700" lIns="91425" spcFirstLastPara="1" rIns="91425" wrap="square" tIns="45700">
-              <a:noAutofit/>
-            </a:bodyPr>
-            <a:lstStyle/>
-            <a:p>
-              <a:pPr indent="0" lvl="0" marL="0" marR="0" rtl="0" algn="l">
-                <a:spcBef>
-                  <a:spcPts val="0"/>
-                </a:spcBef>
-                <a:spcAft>
-                  <a:spcPts val="0"/>
-                </a:spcAft>
-                <a:buNone/>
-              </a:pPr>
-              <a:r>
-                <a:t/>
-              </a:r>
-              <a:endParaRPr sz="1800">
-                <a:solidFill>
-                  <a:srgbClr val="000000"/>
-                </a:solidFill>
-                <a:latin typeface="Calibri"/>
-                <a:ea typeface="Calibri"/>
-                <a:cs typeface="Calibri"/>
-                <a:sym typeface="Calibri"/>
-              </a:endParaRPr>
-            </a:p>
-          </p:txBody>
-        </p:sp>
-        <p:sp>
-          <p:nvSpPr>
-            <p:cNvPr id="223" name="Google Shape;223;p26"/>
-            <p:cNvSpPr/>
-            <p:nvPr/>
-          </p:nvSpPr>
-          <p:spPr>
-            <a:xfrm>
-              <a:off x="1177450" y="3763229"/>
-              <a:ext cx="6173152" cy="95178"/>
-            </a:xfrm>
-            <a:custGeom>
-              <a:rect b="b" l="l" r="r" t="t"/>
-              <a:pathLst>
-                <a:path extrusionOk="0" h="95178" w="6173152">
-                  <a:moveTo>
-                    <a:pt x="0" y="0"/>
-                  </a:moveTo>
-                  <a:cubicBezTo>
-                    <a:pt x="0" y="0"/>
-                    <a:pt x="129540" y="95178"/>
-                    <a:pt x="450533" y="95178"/>
-                  </a:cubicBezTo>
-                  <a:lnTo>
-                    <a:pt x="5817870" y="95178"/>
-                  </a:lnTo>
-                  <a:cubicBezTo>
-                    <a:pt x="5948363" y="95178"/>
-                    <a:pt x="6173153" y="0"/>
-                    <a:pt x="6173153" y="0"/>
-                  </a:cubicBezTo>
-                  <a:lnTo>
-                    <a:pt x="0" y="0"/>
-                  </a:lnTo>
-                  <a:close/>
-                </a:path>
-              </a:pathLst>
-            </a:custGeom>
-            <a:solidFill>
-              <a:schemeClr val="dk1"/>
-            </a:solidFill>
-            <a:ln>
-              <a:noFill/>
-            </a:ln>
-          </p:spPr>
-          <p:txBody>
-            <a:bodyPr anchorCtr="0" anchor="ctr" bIns="45700" lIns="91425" spcFirstLastPara="1" rIns="91425" wrap="square" tIns="45700">
-              <a:noAutofit/>
-            </a:bodyPr>
-            <a:lstStyle/>
-            <a:p>
-              <a:pPr indent="0" lvl="0" marL="0" marR="0" rtl="0" algn="l">
-                <a:spcBef>
-                  <a:spcPts val="0"/>
-                </a:spcBef>
-                <a:spcAft>
-                  <a:spcPts val="0"/>
-                </a:spcAft>
-                <a:buNone/>
-              </a:pPr>
-              <a:r>
-                <a:t/>
-              </a:r>
-              <a:endParaRPr sz="1800">
-                <a:solidFill>
-                  <a:srgbClr val="000000"/>
-                </a:solidFill>
-                <a:latin typeface="Calibri"/>
-                <a:ea typeface="Calibri"/>
-                <a:cs typeface="Calibri"/>
-                <a:sym typeface="Calibri"/>
-              </a:endParaRPr>
-            </a:p>
-          </p:txBody>
-        </p:sp>
-        <p:sp>
-          <p:nvSpPr>
-            <p:cNvPr id="224" name="Google Shape;224;p26"/>
-            <p:cNvSpPr/>
-            <p:nvPr/>
-          </p:nvSpPr>
-          <p:spPr>
-            <a:xfrm>
-              <a:off x="1177450" y="3687086"/>
-              <a:ext cx="6172200" cy="76142"/>
-            </a:xfrm>
-            <a:custGeom>
-              <a:rect b="b" l="l" r="r" t="t"/>
-              <a:pathLst>
-                <a:path extrusionOk="0" h="76142" w="6172200">
-                  <a:moveTo>
-                    <a:pt x="0" y="76143"/>
-                  </a:moveTo>
-                  <a:lnTo>
-                    <a:pt x="6172200" y="76143"/>
-                  </a:lnTo>
-                  <a:lnTo>
-                    <a:pt x="6172200" y="0"/>
-                  </a:lnTo>
-                  <a:lnTo>
-                    <a:pt x="0" y="0"/>
-                  </a:lnTo>
-                  <a:close/>
-                </a:path>
-              </a:pathLst>
-            </a:custGeom>
-            <a:solidFill>
-              <a:schemeClr val="dk2"/>
-            </a:solidFill>
-            <a:ln>
-              <a:noFill/>
-            </a:ln>
-          </p:spPr>
-          <p:txBody>
-            <a:bodyPr anchorCtr="0" anchor="ctr" bIns="45700" lIns="91425" spcFirstLastPara="1" rIns="91425" wrap="square" tIns="45700">
-              <a:noAutofit/>
-            </a:bodyPr>
-            <a:lstStyle/>
-            <a:p>
-              <a:pPr indent="0" lvl="0" marL="0" marR="0" rtl="0" algn="l">
-                <a:spcBef>
-                  <a:spcPts val="0"/>
-                </a:spcBef>
-                <a:spcAft>
-                  <a:spcPts val="0"/>
-                </a:spcAft>
-                <a:buNone/>
-              </a:pPr>
-              <a:r>
-                <a:t/>
-              </a:r>
-              <a:endParaRPr sz="1800">
-                <a:solidFill>
-                  <a:srgbClr val="000000"/>
-                </a:solidFill>
-                <a:latin typeface="Calibri"/>
-                <a:ea typeface="Calibri"/>
-                <a:cs typeface="Calibri"/>
-                <a:sym typeface="Calibri"/>
-              </a:endParaRPr>
-            </a:p>
-          </p:txBody>
-        </p:sp>
-        <p:sp>
-          <p:nvSpPr>
-            <p:cNvPr id="225" name="Google Shape;225;p26"/>
-            <p:cNvSpPr/>
-            <p:nvPr/>
-          </p:nvSpPr>
-          <p:spPr>
-            <a:xfrm>
-              <a:off x="3806350" y="3687086"/>
-              <a:ext cx="903922" cy="47589"/>
-            </a:xfrm>
-            <a:custGeom>
-              <a:rect b="b" l="l" r="r" t="t"/>
-              <a:pathLst>
-                <a:path extrusionOk="0" h="47589" w="903922">
-                  <a:moveTo>
-                    <a:pt x="0" y="0"/>
-                  </a:moveTo>
-                  <a:cubicBezTo>
-                    <a:pt x="0" y="0"/>
-                    <a:pt x="26670" y="47589"/>
-                    <a:pt x="53340" y="47589"/>
-                  </a:cubicBezTo>
-                  <a:lnTo>
-                    <a:pt x="850582" y="47589"/>
-                  </a:lnTo>
-                  <a:cubicBezTo>
-                    <a:pt x="877253" y="47589"/>
-                    <a:pt x="903922" y="0"/>
-                    <a:pt x="903922" y="0"/>
-                  </a:cubicBezTo>
-                  <a:lnTo>
-                    <a:pt x="0" y="0"/>
-                  </a:lnTo>
-                  <a:close/>
-                </a:path>
-              </a:pathLst>
-            </a:custGeom>
-            <a:solidFill>
-              <a:srgbClr val="142236">
-                <a:alpha val="53070"/>
-              </a:srgbClr>
-            </a:solidFill>
-            <a:ln>
-              <a:noFill/>
-            </a:ln>
-          </p:spPr>
-          <p:txBody>
-            <a:bodyPr anchorCtr="0" anchor="ctr" bIns="45700" lIns="91425" spcFirstLastPara="1" rIns="91425" wrap="square" tIns="45700">
-              <a:noAutofit/>
-            </a:bodyPr>
-            <a:lstStyle/>
-            <a:p>
-              <a:pPr indent="0" lvl="0" marL="0" marR="0" rtl="0" algn="l">
-                <a:spcBef>
-                  <a:spcPts val="0"/>
-                </a:spcBef>
-                <a:spcAft>
-                  <a:spcPts val="0"/>
-                </a:spcAft>
-                <a:buNone/>
-              </a:pPr>
-              <a:r>
-                <a:t/>
-              </a:r>
-              <a:endParaRPr sz="1800">
-                <a:solidFill>
-                  <a:srgbClr val="000000"/>
-                </a:solidFill>
-                <a:latin typeface="Calibri"/>
-                <a:ea typeface="Calibri"/>
-                <a:cs typeface="Calibri"/>
-                <a:sym typeface="Calibri"/>
-              </a:endParaRPr>
-            </a:p>
-          </p:txBody>
-        </p:sp>
-      </p:grpSp>
-      <p:sp>
-        <p:nvSpPr>
-          <p:cNvPr id="226" name="Google Shape;226;p26"/>
-          <p:cNvSpPr txBox="1"/>
-          <p:nvPr>
-            <p:ph idx="1" type="body"/>
-          </p:nvPr>
-        </p:nvSpPr>
-        <p:spPr>
-          <a:xfrm>
-            <a:off x="913175" y="1593750"/>
-            <a:ext cx="2681100" cy="978000"/>
-          </a:xfrm>
-          <a:prstGeom prst="rect">
-            <a:avLst/>
-          </a:prstGeom>
-        </p:spPr>
-        <p:txBody>
-          <a:bodyPr anchorCtr="0" anchor="t" bIns="0" lIns="0" spcFirstLastPara="1" rIns="0" wrap="square" tIns="0">
-            <a:noAutofit/>
-          </a:bodyPr>
-          <a:lstStyle/>
-          <a:p>
-            <a:pPr indent="0" lvl="0" marL="0" rtl="0" algn="l">
-              <a:spcBef>
-                <a:spcPts val="600"/>
-              </a:spcBef>
-              <a:spcAft>
-                <a:spcPts val="0"/>
-              </a:spcAft>
-              <a:buNone/>
-            </a:pPr>
-            <a:r>
-              <a:rPr lang="en">
-                <a:solidFill>
-                  <a:schemeClr val="dk1"/>
-                </a:solidFill>
-              </a:rPr>
-              <a:t>Showing our working app</a:t>
-            </a:r>
-            <a:endParaRPr>
-              <a:solidFill>
-                <a:schemeClr val="dk1"/>
-              </a:solidFill>
-            </a:endParaRPr>
-          </a:p>
-        </p:txBody>
-      </p:sp>
-      <p:sp>
-        <p:nvSpPr>
-          <p:cNvPr id="227" name="Google Shape;227;p26"/>
-          <p:cNvSpPr txBox="1"/>
-          <p:nvPr>
-            <p:ph type="title"/>
-          </p:nvPr>
-        </p:nvSpPr>
-        <p:spPr>
-          <a:xfrm>
-            <a:off x="913175" y="834175"/>
-            <a:ext cx="2681100" cy="627000"/>
-          </a:xfrm>
-          <a:prstGeom prst="rect">
-            <a:avLst/>
-          </a:prstGeom>
-        </p:spPr>
-        <p:txBody>
-          <a:bodyPr anchorCtr="0" anchor="b" bIns="0" lIns="0" spcFirstLastPara="1" rIns="0" wrap="square" tIns="0">
-            <a:noAutofit/>
-          </a:bodyPr>
-          <a:lstStyle/>
-          <a:p>
-            <a:pPr indent="0" lvl="0" marL="0" rtl="0" algn="l">
-              <a:spcBef>
-                <a:spcPts val="0"/>
-              </a:spcBef>
-              <a:spcAft>
-                <a:spcPts val="0"/>
-              </a:spcAft>
-              <a:buNone/>
-            </a:pPr>
-            <a:r>
-              <a:rPr lang="en">
-                <a:solidFill>
-                  <a:schemeClr val="accent1"/>
-                </a:solidFill>
-              </a:rPr>
-              <a:t>Desktop</a:t>
-            </a:r>
-            <a:r>
-              <a:rPr lang="en"/>
-              <a:t> app</a:t>
-            </a:r>
-            <a:endParaRPr/>
-          </a:p>
-        </p:txBody>
-      </p:sp>
-    </p:spTree>
-  </p:cSld>
-  <p:clrMapOvr>
-    <a:masterClrMapping/>
-  </p:clrMapOvr>
-</p:sld>
-</file>
-
 <file path=ppt/slides/slide2.xml><?xml version="1.0" encoding="utf-8"?>
 <p:sld xmlns:a="http://schemas.openxmlformats.org/drawingml/2006/main" xmlns:r="http://schemas.openxmlformats.org/officeDocument/2006/relationships" xmlns:mc="http://schemas.openxmlformats.org/markup-compatibility/2006" xmlns:mv="urn:schemas-microsoft-com:mac:vml" xmlns:p="http://schemas.openxmlformats.org/presentationml/2006/main" xmlns:c="http://schemas.openxmlformats.org/drawingml/2006/chart" xmlns:dgm="http://schemas.openxmlformats.org/drawingml/2006/diagram" xmlns:o="urn:schemas-microsoft-com:office:office" xmlns:v="urn:schemas-microsoft-com:vml" xmlns:pvml="urn:schemas-microsoft-com:office:powerpoint" xmlns:com="http://schemas.openxmlformats.org/drawingml/2006/compatibility" xmlns:p14="http://schemas.microsoft.com/office/powerpoint/2010/main" xmlns:p15="http://schemas.microsoft.com/office/powerpoint/2012/main">
   <p:cSld>
@@ -16987,7 +15418,7 @@
                   <a:schemeClr val="accent1"/>
                 </a:solidFill>
               </a:rPr>
-              <a:t>Web Pages</a:t>
+              <a:t>Live Demo</a:t>
             </a:r>
             <a:endParaRPr sz="1800"/>
           </a:p>
@@ -17097,19 +15528,19 @@
         <p:spPr>
           <a:xfrm>
             <a:off x="2679375" y="1160250"/>
-            <a:ext cx="3683400" cy="1801500"/>
+            <a:ext cx="3683400" cy="2179500"/>
           </a:xfrm>
           <a:prstGeom prst="rect">
             <a:avLst/>
           </a:prstGeom>
         </p:spPr>
         <p:txBody>
-          <a:bodyPr anchorCtr="0" anchor="b" bIns="0" lIns="0" spcFirstLastPara="1" rIns="0" wrap="square" tIns="0">
+          <a:bodyPr anchorCtr="0" anchor="ctr" bIns="0" lIns="0" spcFirstLastPara="1" rIns="0" wrap="square" tIns="0">
             <a:noAutofit/>
           </a:bodyPr>
           <a:lstStyle/>
           <a:p>
-            <a:pPr indent="0" lvl="0" marL="0" rtl="0" algn="l">
+            <a:pPr indent="0" lvl="0" marL="0" rtl="0" algn="ctr">
               <a:lnSpc>
                 <a:spcPct val="80000"/>
               </a:lnSpc>
@@ -17122,14 +15553,68 @@
               <a:buNone/>
             </a:pPr>
             <a:r>
-              <a:rPr lang="en" sz="4800">
+              <a:rPr lang="en" sz="3000">
                 <a:solidFill>
                   <a:schemeClr val="accent1"/>
                 </a:solidFill>
               </a:rPr>
               <a:t>Home Page</a:t>
             </a:r>
-            <a:endParaRPr sz="4800">
+            <a:endParaRPr sz="3000">
+              <a:solidFill>
+                <a:schemeClr val="accent1"/>
+              </a:solidFill>
+            </a:endParaRPr>
+          </a:p>
+          <a:p>
+            <a:pPr indent="0" lvl="0" marL="0" rtl="0" algn="ctr">
+              <a:lnSpc>
+                <a:spcPct val="80000"/>
+              </a:lnSpc>
+              <a:spcBef>
+                <a:spcPts val="0"/>
+              </a:spcBef>
+              <a:spcAft>
+                <a:spcPts val="0"/>
+              </a:spcAft>
+              <a:buNone/>
+            </a:pPr>
+            <a:r>
+              <a:rPr lang="en" sz="3000">
+                <a:solidFill>
+                  <a:schemeClr val="accent1"/>
+                </a:solidFill>
+              </a:rPr>
+              <a:t>Visuals Page</a:t>
+            </a:r>
+            <a:endParaRPr sz="3000">
+              <a:solidFill>
+                <a:schemeClr val="accent1"/>
+              </a:solidFill>
+            </a:endParaRPr>
+          </a:p>
+          <a:p>
+            <a:pPr indent="0" lvl="0" marL="0" rtl="0" algn="ctr">
+              <a:lnSpc>
+                <a:spcPct val="80000"/>
+              </a:lnSpc>
+              <a:spcBef>
+                <a:spcPts val="0"/>
+              </a:spcBef>
+              <a:spcAft>
+                <a:spcPts val="0"/>
+              </a:spcAft>
+              <a:buNone/>
+            </a:pPr>
+            <a:r>
+              <a:rPr lang="en" sz="3000">
+                <a:solidFill>
+                  <a:schemeClr val="accent1"/>
+                </a:solidFill>
+              </a:rPr>
+              <a:t>Predictions Page</a:t>
+            </a:r>
+            <a:endParaRPr sz="3000">
               <a:solidFill>
                 <a:schemeClr val="accent1"/>
               </a:solidFill>
@@ -17168,6 +15653,285 @@
 </file>
 
 <file path=ppt/theme/theme1.xml><?xml version="1.0" encoding="utf-8"?>
+<a:theme xmlns:a="http://schemas.openxmlformats.org/drawingml/2006/main" xmlns:r="http://schemas.openxmlformats.org/officeDocument/2006/relationships" name="Rutland template">
+  <a:themeElements>
+    <a:clrScheme name="Custom 347">
+      <a:dk1>
+        <a:srgbClr val="142236"/>
+      </a:dk1>
+      <a:lt1>
+        <a:srgbClr val="FFFFFF"/>
+      </a:lt1>
+      <a:dk2>
+        <a:srgbClr val="667180"/>
+      </a:dk2>
+      <a:lt2>
+        <a:srgbClr val="E5E8EB"/>
+      </a:lt2>
+      <a:accent1>
+        <a:srgbClr val="FF6035"/>
+      </a:accent1>
+      <a:accent2>
+        <a:srgbClr val="BB1C0B"/>
+      </a:accent2>
+      <a:accent3>
+        <a:srgbClr val="1DC8E6"/>
+      </a:accent3>
+      <a:accent4>
+        <a:srgbClr val="0D7FA3"/>
+      </a:accent4>
+      <a:accent5>
+        <a:srgbClr val="8FC55D"/>
+      </a:accent5>
+      <a:accent6>
+        <a:srgbClr val="4E9934"/>
+      </a:accent6>
+      <a:hlink>
+        <a:srgbClr val="FFFFFF"/>
+      </a:hlink>
+      <a:folHlink>
+        <a:srgbClr val="6611CC"/>
+      </a:folHlink>
+    </a:clrScheme>
+    <a:fontScheme name="Office">
+      <a:majorFont>
+        <a:latin typeface="Arial"/>
+        <a:ea typeface=""/>
+        <a:cs typeface=""/>
+        <a:font script="Jpan" typeface="ＭＳ Ｐゴシック"/>
+        <a:font script="Hang" typeface="맑은 고딕"/>
+        <a:font script="Hans" typeface="宋体"/>
+        <a:font script="Hant" typeface="新細明體"/>
+        <a:font script="Arab" typeface="Times New Roman"/>
+        <a:font script="Hebr" typeface="Times New Roman"/>
+        <a:font script="Thai" typeface="Angsana New"/>
+        <a:font script="Ethi" typeface="Nyala"/>
+        <a:font script="Beng" typeface="Vrinda"/>
+        <a:font script="Gujr" typeface="Shruti"/>
+        <a:font script="Khmr" typeface="MoolBoran"/>
+        <a:font script="Knda" typeface="Tunga"/>
+        <a:font script="Guru" typeface="Raavi"/>
+        <a:font script="Cans" typeface="Euphemia"/>
+        <a:font script="Cher" typeface="Plantagenet Cherokee"/>
+        <a:font script="Yiii" typeface="Microsoft Yi Baiti"/>
+        <a:font script="Tibt" typeface="Microsoft Himalaya"/>
+        <a:font script="Thaa" typeface="MV Boli"/>
+        <a:font script="Deva" typeface="Mangal"/>
+        <a:font script="Telu" typeface="Gautami"/>
+        <a:font script="Taml" typeface="Latha"/>
+        <a:font script="Syrc" typeface="Estrangelo Edessa"/>
+        <a:font script="Orya" typeface="Kalinga"/>
+        <a:font script="Mlym" typeface="Kartika"/>
+        <a:font script="Laoo" typeface="DokChampa"/>
+        <a:font script="Sinh" typeface="Iskoola Pota"/>
+        <a:font script="Mong" typeface="Mongolian Baiti"/>
+        <a:font script="Viet" typeface="Times New Roman"/>
+        <a:font script="Uigh" typeface="Microsoft Uighur"/>
+        <a:font script="Geor" typeface="Sylfaen"/>
+      </a:majorFont>
+      <a:minorFont>
+        <a:latin typeface="Arial"/>
+        <a:ea typeface=""/>
+        <a:cs typeface=""/>
+        <a:font script="Jpan" typeface="ＭＳ Ｐゴシック"/>
+        <a:font script="Hang" typeface="맑은 고딕"/>
+        <a:font script="Hans" typeface="宋体"/>
+        <a:font script="Hant" typeface="新細明體"/>
+        <a:font script="Arab" typeface="Arial"/>
+        <a:font script="Hebr" typeface="Arial"/>
+        <a:font script="Thai" typeface="Cordia New"/>
+        <a:font script="Ethi" typeface="Nyala"/>
+        <a:font script="Beng" typeface="Vrinda"/>
+        <a:font script="Gujr" typeface="Shruti"/>
+        <a:font script="Khmr" typeface="DaunPenh"/>
+        <a:font script="Knda" typeface="Tunga"/>
+        <a:font script="Guru" typeface="Raavi"/>
+        <a:font script="Cans" typeface="Euphemia"/>
+        <a:font script="Cher" typeface="Plantagenet Cherokee"/>
+        <a:font script="Yiii" typeface="Microsoft Yi Baiti"/>
+        <a:font script="Tibt" typeface="Microsoft Himalaya"/>
+        <a:font script="Thaa" typeface="MV Boli"/>
+        <a:font script="Deva" typeface="Mangal"/>
+        <a:font script="Telu" typeface="Gautami"/>
+        <a:font script="Taml" typeface="Latha"/>
+        <a:font script="Syrc" typeface="Estrangelo Edessa"/>
+        <a:font script="Orya" typeface="Kalinga"/>
+        <a:font script="Mlym" typeface="Kartika"/>
+        <a:font script="Laoo" typeface="DokChampa"/>
+        <a:font script="Sinh" typeface="Iskoola Pota"/>
+        <a:font script="Mong" typeface="Mongolian Baiti"/>
+        <a:font script="Viet" typeface="Arial"/>
+        <a:font script="Uigh" typeface="Microsoft Uighur"/>
+        <a:font script="Geor" typeface="Sylfaen"/>
+      </a:minorFont>
+    </a:fontScheme>
+    <a:fmtScheme name="Office">
+      <a:fillStyleLst>
+        <a:solidFill>
+          <a:schemeClr val="phClr"/>
+        </a:solidFill>
+        <a:gradFill rotWithShape="1">
+          <a:gsLst>
+            <a:gs pos="0">
+              <a:schemeClr val="phClr">
+                <a:tint val="50000"/>
+                <a:satMod val="300000"/>
+              </a:schemeClr>
+            </a:gs>
+            <a:gs pos="35000">
+              <a:schemeClr val="phClr">
+                <a:tint val="37000"/>
+                <a:satMod val="300000"/>
+              </a:schemeClr>
+            </a:gs>
+            <a:gs pos="100000">
+              <a:schemeClr val="phClr">
+                <a:tint val="15000"/>
+                <a:satMod val="350000"/>
+              </a:schemeClr>
+            </a:gs>
+          </a:gsLst>
+          <a:lin ang="16200000" scaled="1"/>
+        </a:gradFill>
+        <a:gradFill rotWithShape="1">
+          <a:gsLst>
+            <a:gs pos="0">
+              <a:schemeClr val="phClr">
+                <a:tint val="100000"/>
+                <a:shade val="100000"/>
+                <a:satMod val="130000"/>
+              </a:schemeClr>
+            </a:gs>
+            <a:gs pos="100000">
+              <a:schemeClr val="phClr">
+                <a:tint val="50000"/>
+                <a:shade val="100000"/>
+                <a:satMod val="350000"/>
+              </a:schemeClr>
+            </a:gs>
+          </a:gsLst>
+          <a:lin ang="16200000" scaled="0"/>
+        </a:gradFill>
+      </a:fillStyleLst>
+      <a:lnStyleLst>
+        <a:ln w="9525" cap="flat" cmpd="sng" algn="ctr">
+          <a:solidFill>
+            <a:schemeClr val="phClr">
+              <a:shade val="95000"/>
+              <a:satMod val="105000"/>
+            </a:schemeClr>
+          </a:solidFill>
+          <a:prstDash val="solid"/>
+        </a:ln>
+        <a:ln w="25400" cap="flat" cmpd="sng" algn="ctr">
+          <a:solidFill>
+            <a:schemeClr val="phClr"/>
+          </a:solidFill>
+          <a:prstDash val="solid"/>
+        </a:ln>
+        <a:ln w="38100" cap="flat" cmpd="sng" algn="ctr">
+          <a:solidFill>
+            <a:schemeClr val="phClr"/>
+          </a:solidFill>
+          <a:prstDash val="solid"/>
+        </a:ln>
+      </a:lnStyleLst>
+      <a:effectStyleLst>
+        <a:effectStyle>
+          <a:effectLst>
+            <a:outerShdw blurRad="40000" dist="20000" dir="5400000" rotWithShape="0">
+              <a:srgbClr val="000000">
+                <a:alpha val="38000"/>
+              </a:srgbClr>
+            </a:outerShdw>
+          </a:effectLst>
+        </a:effectStyle>
+        <a:effectStyle>
+          <a:effectLst>
+            <a:outerShdw blurRad="40000" dist="23000" dir="5400000" rotWithShape="0">
+              <a:srgbClr val="000000">
+                <a:alpha val="35000"/>
+              </a:srgbClr>
+            </a:outerShdw>
+          </a:effectLst>
+        </a:effectStyle>
+        <a:effectStyle>
+          <a:effectLst>
+            <a:outerShdw blurRad="40000" dist="23000" dir="5400000" rotWithShape="0">
+              <a:srgbClr val="000000">
+                <a:alpha val="35000"/>
+              </a:srgbClr>
+            </a:outerShdw>
+          </a:effectLst>
+          <a:scene3d>
+            <a:camera prst="orthographicFront">
+              <a:rot lat="0" lon="0" rev="0"/>
+            </a:camera>
+            <a:lightRig rig="threePt" dir="t">
+              <a:rot lat="0" lon="0" rev="1200000"/>
+            </a:lightRig>
+          </a:scene3d>
+          <a:sp3d>
+            <a:bevelT w="63500" h="25400"/>
+          </a:sp3d>
+        </a:effectStyle>
+      </a:effectStyleLst>
+      <a:bgFillStyleLst>
+        <a:solidFill>
+          <a:schemeClr val="phClr"/>
+        </a:solidFill>
+        <a:gradFill rotWithShape="1">
+          <a:gsLst>
+            <a:gs pos="0">
+              <a:schemeClr val="phClr">
+                <a:tint val="40000"/>
+                <a:satMod val="350000"/>
+              </a:schemeClr>
+            </a:gs>
+            <a:gs pos="40000">
+              <a:schemeClr val="phClr">
+                <a:tint val="45000"/>
+                <a:shade val="99000"/>
+                <a:satMod val="350000"/>
+              </a:schemeClr>
+            </a:gs>
+            <a:gs pos="100000">
+              <a:schemeClr val="phClr">
+                <a:shade val="20000"/>
+                <a:satMod val="255000"/>
+              </a:schemeClr>
+            </a:gs>
+          </a:gsLst>
+          <a:path path="circle">
+            <a:fillToRect l="50000" t="-80000" r="50000" b="180000"/>
+          </a:path>
+        </a:gradFill>
+        <a:gradFill rotWithShape="1">
+          <a:gsLst>
+            <a:gs pos="0">
+              <a:schemeClr val="phClr">
+                <a:tint val="80000"/>
+                <a:satMod val="300000"/>
+              </a:schemeClr>
+            </a:gs>
+            <a:gs pos="100000">
+              <a:schemeClr val="phClr">
+                <a:shade val="30000"/>
+                <a:satMod val="200000"/>
+              </a:schemeClr>
+            </a:gs>
+          </a:gsLst>
+          <a:path path="circle">
+            <a:fillToRect l="50000" t="50000" r="50000" b="50000"/>
+          </a:path>
+        </a:gradFill>
+      </a:bgFillStyleLst>
+    </a:fmtScheme>
+  </a:themeElements>
+</a:theme>
+</file>
+
+<file path=ppt/theme/theme2.xml><?xml version="1.0" encoding="utf-8"?>
 <a:theme xmlns:a="http://schemas.openxmlformats.org/drawingml/2006/main" xmlns:r="http://schemas.openxmlformats.org/officeDocument/2006/relationships">
   <a:themeElements>
     <a:clrScheme name="Default">
@@ -17444,283 +16208,4 @@
     </a:fmtScheme>
   </a:themeElements>
 </a:theme>
-</file>
-
-<file path=ppt/theme/theme2.xml><?xml version="1.0" encoding="utf-8"?>
-<a:theme xmlns:a="http://schemas.openxmlformats.org/drawingml/2006/main" xmlns:r="http://schemas.openxmlformats.org/officeDocument/2006/relationships" name="Rutland template">
-  <a:themeElements>
-    <a:clrScheme name="Custom 347">
-      <a:dk1>
-        <a:srgbClr val="142236"/>
-      </a:dk1>
-      <a:lt1>
-        <a:srgbClr val="FFFFFF"/>
-      </a:lt1>
-      <a:dk2>
-        <a:srgbClr val="667180"/>
-      </a:dk2>
-      <a:lt2>
-        <a:srgbClr val="E5E8EB"/>
-      </a:lt2>
-      <a:accent1>
-        <a:srgbClr val="FF6035"/>
-      </a:accent1>
-      <a:accent2>
-        <a:srgbClr val="BB1C0B"/>
-      </a:accent2>
-      <a:accent3>
-        <a:srgbClr val="1DC8E6"/>
-      </a:accent3>
-      <a:accent4>
-        <a:srgbClr val="0D7FA3"/>
-      </a:accent4>
-      <a:accent5>
-        <a:srgbClr val="8FC55D"/>
-      </a:accent5>
-      <a:accent6>
-        <a:srgbClr val="4E9934"/>
-      </a:accent6>
-      <a:hlink>
-        <a:srgbClr val="FFFFFF"/>
-      </a:hlink>
-      <a:folHlink>
-        <a:srgbClr val="6611CC"/>
-      </a:folHlink>
-    </a:clrScheme>
-    <a:fontScheme name="Office">
-      <a:majorFont>
-        <a:latin typeface="Arial"/>
-        <a:ea typeface=""/>
-        <a:cs typeface=""/>
-        <a:font script="Jpan" typeface="ＭＳ Ｐゴシック"/>
-        <a:font script="Hang" typeface="맑은 고딕"/>
-        <a:font script="Hans" typeface="宋体"/>
-        <a:font script="Hant" typeface="新細明體"/>
-        <a:font script="Arab" typeface="Times New Roman"/>
-        <a:font script="Hebr" typeface="Times New Roman"/>
-        <a:font script="Thai" typeface="Angsana New"/>
-        <a:font script="Ethi" typeface="Nyala"/>
-        <a:font script="Beng" typeface="Vrinda"/>
-        <a:font script="Gujr" typeface="Shruti"/>
-        <a:font script="Khmr" typeface="MoolBoran"/>
-        <a:font script="Knda" typeface="Tunga"/>
-        <a:font script="Guru" typeface="Raavi"/>
-        <a:font script="Cans" typeface="Euphemia"/>
-        <a:font script="Cher" typeface="Plantagenet Cherokee"/>
-        <a:font script="Yiii" typeface="Microsoft Yi Baiti"/>
-        <a:font script="Tibt" typeface="Microsoft Himalaya"/>
-        <a:font script="Thaa" typeface="MV Boli"/>
-        <a:font script="Deva" typeface="Mangal"/>
-        <a:font script="Telu" typeface="Gautami"/>
-        <a:font script="Taml" typeface="Latha"/>
-        <a:font script="Syrc" typeface="Estrangelo Edessa"/>
-        <a:font script="Orya" typeface="Kalinga"/>
-        <a:font script="Mlym" typeface="Kartika"/>
-        <a:font script="Laoo" typeface="DokChampa"/>
-        <a:font script="Sinh" typeface="Iskoola Pota"/>
-        <a:font script="Mong" typeface="Mongolian Baiti"/>
-        <a:font script="Viet" typeface="Times New Roman"/>
-        <a:font script="Uigh" typeface="Microsoft Uighur"/>
-        <a:font script="Geor" typeface="Sylfaen"/>
-      </a:majorFont>
-      <a:minorFont>
-        <a:latin typeface="Arial"/>
-        <a:ea typeface=""/>
-        <a:cs typeface=""/>
-        <a:font script="Jpan" typeface="ＭＳ Ｐゴシック"/>
-        <a:font script="Hang" typeface="맑은 고딕"/>
-        <a:font script="Hans" typeface="宋体"/>
-        <a:font script="Hant" typeface="新細明體"/>
-        <a:font script="Arab" typeface="Arial"/>
-        <a:font script="Hebr" typeface="Arial"/>
-        <a:font script="Thai" typeface="Cordia New"/>
-        <a:font script="Ethi" typeface="Nyala"/>
-        <a:font script="Beng" typeface="Vrinda"/>
-        <a:font script="Gujr" typeface="Shruti"/>
-        <a:font script="Khmr" typeface="DaunPenh"/>
-        <a:font script="Knda" typeface="Tunga"/>
-        <a:font script="Guru" typeface="Raavi"/>
-        <a:font script="Cans" typeface="Euphemia"/>
-        <a:font script="Cher" typeface="Plantagenet Cherokee"/>
-        <a:font script="Yiii" typeface="Microsoft Yi Baiti"/>
-        <a:font script="Tibt" typeface="Microsoft Himalaya"/>
-        <a:font script="Thaa" typeface="MV Boli"/>
-        <a:font script="Deva" typeface="Mangal"/>
-        <a:font script="Telu" typeface="Gautami"/>
-        <a:font script="Taml" typeface="Latha"/>
-        <a:font script="Syrc" typeface="Estrangelo Edessa"/>
-        <a:font script="Orya" typeface="Kalinga"/>
-        <a:font script="Mlym" typeface="Kartika"/>
-        <a:font script="Laoo" typeface="DokChampa"/>
-        <a:font script="Sinh" typeface="Iskoola Pota"/>
-        <a:font script="Mong" typeface="Mongolian Baiti"/>
-        <a:font script="Viet" typeface="Arial"/>
-        <a:font script="Uigh" typeface="Microsoft Uighur"/>
-        <a:font script="Geor" typeface="Sylfaen"/>
-      </a:minorFont>
-    </a:fontScheme>
-    <a:fmtScheme name="Office">
-      <a:fillStyleLst>
-        <a:solidFill>
-          <a:schemeClr val="phClr"/>
-        </a:solidFill>
-        <a:gradFill rotWithShape="1">
-          <a:gsLst>
-            <a:gs pos="0">
-              <a:schemeClr val="phClr">
-                <a:tint val="50000"/>
-                <a:satMod val="300000"/>
-              </a:schemeClr>
-            </a:gs>
-            <a:gs pos="35000">
-              <a:schemeClr val="phClr">
-                <a:tint val="37000"/>
-                <a:satMod val="300000"/>
-              </a:schemeClr>
-            </a:gs>
-            <a:gs pos="100000">
-              <a:schemeClr val="phClr">
-                <a:tint val="15000"/>
-                <a:satMod val="350000"/>
-              </a:schemeClr>
-            </a:gs>
-          </a:gsLst>
-          <a:lin ang="16200000" scaled="1"/>
-        </a:gradFill>
-        <a:gradFill rotWithShape="1">
-          <a:gsLst>
-            <a:gs pos="0">
-              <a:schemeClr val="phClr">
-                <a:tint val="100000"/>
-                <a:shade val="100000"/>
-                <a:satMod val="130000"/>
-              </a:schemeClr>
-            </a:gs>
-            <a:gs pos="100000">
-              <a:schemeClr val="phClr">
-                <a:tint val="50000"/>
-                <a:shade val="100000"/>
-                <a:satMod val="350000"/>
-              </a:schemeClr>
-            </a:gs>
-          </a:gsLst>
-          <a:lin ang="16200000" scaled="0"/>
-        </a:gradFill>
-      </a:fillStyleLst>
-      <a:lnStyleLst>
-        <a:ln w="9525" cap="flat" cmpd="sng" algn="ctr">
-          <a:solidFill>
-            <a:schemeClr val="phClr">
-              <a:shade val="95000"/>
-              <a:satMod val="105000"/>
-            </a:schemeClr>
-          </a:solidFill>
-          <a:prstDash val="solid"/>
-        </a:ln>
-        <a:ln w="25400" cap="flat" cmpd="sng" algn="ctr">
-          <a:solidFill>
-            <a:schemeClr val="phClr"/>
-          </a:solidFill>
-          <a:prstDash val="solid"/>
-        </a:ln>
-        <a:ln w="38100" cap="flat" cmpd="sng" algn="ctr">
-          <a:solidFill>
-            <a:schemeClr val="phClr"/>
-          </a:solidFill>
-          <a:prstDash val="solid"/>
-        </a:ln>
-      </a:lnStyleLst>
-      <a:effectStyleLst>
-        <a:effectStyle>
-          <a:effectLst>
-            <a:outerShdw blurRad="40000" dist="20000" dir="5400000" rotWithShape="0">
-              <a:srgbClr val="000000">
-                <a:alpha val="38000"/>
-              </a:srgbClr>
-            </a:outerShdw>
-          </a:effectLst>
-        </a:effectStyle>
-        <a:effectStyle>
-          <a:effectLst>
-            <a:outerShdw blurRad="40000" dist="23000" dir="5400000" rotWithShape="0">
-              <a:srgbClr val="000000">
-                <a:alpha val="35000"/>
-              </a:srgbClr>
-            </a:outerShdw>
-          </a:effectLst>
-        </a:effectStyle>
-        <a:effectStyle>
-          <a:effectLst>
-            <a:outerShdw blurRad="40000" dist="23000" dir="5400000" rotWithShape="0">
-              <a:srgbClr val="000000">
-                <a:alpha val="35000"/>
-              </a:srgbClr>
-            </a:outerShdw>
-          </a:effectLst>
-          <a:scene3d>
-            <a:camera prst="orthographicFront">
-              <a:rot lat="0" lon="0" rev="0"/>
-            </a:camera>
-            <a:lightRig rig="threePt" dir="t">
-              <a:rot lat="0" lon="0" rev="1200000"/>
-            </a:lightRig>
-          </a:scene3d>
-          <a:sp3d>
-            <a:bevelT w="63500" h="25400"/>
-          </a:sp3d>
-        </a:effectStyle>
-      </a:effectStyleLst>
-      <a:bgFillStyleLst>
-        <a:solidFill>
-          <a:schemeClr val="phClr"/>
-        </a:solidFill>
-        <a:gradFill rotWithShape="1">
-          <a:gsLst>
-            <a:gs pos="0">
-              <a:schemeClr val="phClr">
-                <a:tint val="40000"/>
-                <a:satMod val="350000"/>
-              </a:schemeClr>
-            </a:gs>
-            <a:gs pos="40000">
-              <a:schemeClr val="phClr">
-                <a:tint val="45000"/>
-                <a:shade val="99000"/>
-                <a:satMod val="350000"/>
-              </a:schemeClr>
-            </a:gs>
-            <a:gs pos="100000">
-              <a:schemeClr val="phClr">
-                <a:shade val="20000"/>
-                <a:satMod val="255000"/>
-              </a:schemeClr>
-            </a:gs>
-          </a:gsLst>
-          <a:path path="circle">
-            <a:fillToRect l="50000" t="-80000" r="50000" b="180000"/>
-          </a:path>
-        </a:gradFill>
-        <a:gradFill rotWithShape="1">
-          <a:gsLst>
-            <a:gs pos="0">
-              <a:schemeClr val="phClr">
-                <a:tint val="80000"/>
-                <a:satMod val="300000"/>
-              </a:schemeClr>
-            </a:gs>
-            <a:gs pos="100000">
-              <a:schemeClr val="phClr">
-                <a:shade val="30000"/>
-                <a:satMod val="200000"/>
-              </a:schemeClr>
-            </a:gs>
-          </a:gsLst>
-          <a:path path="circle">
-            <a:fillToRect l="50000" t="50000" r="50000" b="50000"/>
-          </a:path>
-        </a:gradFill>
-      </a:bgFillStyleLst>
-    </a:fmtScheme>
-  </a:themeElements>
-</a:theme>
 </file>
--- a/Data-Estate Presentation.pptx
+++ b/Data-Estate Presentation.pptx
@@ -9363,7 +9363,7 @@
             </a:pPr>
             <a:r>
               <a:rPr b="1" lang="en" sz="1200"/>
-              <a:t>LAYOUT:</a:t>
+              <a:t>DEMO:</a:t>
             </a:r>
             <a:endParaRPr b="1" sz="1200"/>
           </a:p>
@@ -9445,24 +9445,7 @@
               <a:buNone/>
             </a:pPr>
             <a:r>
-              <a:rPr b="1" lang="en" sz="1200"/>
-              <a:t>VISUALS:</a:t>
-            </a:r>
-            <a:endParaRPr sz="1200"/>
-          </a:p>
-          <a:p>
-            <a:pPr indent="0" lvl="0" marL="0" rtl="0" algn="l">
-              <a:spcBef>
-                <a:spcPts val="600"/>
-              </a:spcBef>
-              <a:spcAft>
-                <a:spcPts val="0"/>
-              </a:spcAft>
-              <a:buNone/>
-            </a:pPr>
-            <a:r>
-              <a:rPr b="1" lang="en" sz="1200"/>
-              <a:t> D3 and demo</a:t>
+              <a:t/>
             </a:r>
             <a:endParaRPr b="1" sz="1200"/>
           </a:p>
